--- a/Apresentação/IC_SIICUSP.pptx
+++ b/Apresentação/IC_SIICUSP.pptx
@@ -16,8 +16,8 @@
     <p:sldId id="274" r:id="rId7"/>
     <p:sldId id="273" r:id="rId8"/>
     <p:sldId id="304" r:id="rId9"/>
-    <p:sldId id="305" r:id="rId10"/>
-    <p:sldId id="306" r:id="rId11"/>
+    <p:sldId id="306" r:id="rId10"/>
+    <p:sldId id="305" r:id="rId11"/>
     <p:sldId id="307" r:id="rId12"/>
     <p:sldId id="308" r:id="rId13"/>
     <p:sldId id="310" r:id="rId14"/>
@@ -27,8 +27,8 @@
     <p:sldId id="313" r:id="rId18"/>
     <p:sldId id="314" r:id="rId19"/>
     <p:sldId id="315" r:id="rId20"/>
-    <p:sldId id="316" r:id="rId21"/>
-    <p:sldId id="291" r:id="rId22"/>
+    <p:sldId id="291" r:id="rId21"/>
+    <p:sldId id="316" r:id="rId22"/>
   </p:sldIdLst>
   <p:sldSz cx="12192000" cy="6858000"/>
   <p:notesSz cx="6858000" cy="9144000"/>
@@ -151,6 +151,7 @@
     <p1510:client id="{80BD7314-F2C3-410F-826F-5E0894D57460}" v="221" dt="2022-06-19T00:09:33.537"/>
     <p1510:client id="{8CEEB706-65C0-4B15-85F2-03802DE0F830}" v="916" dt="2022-06-22T16:41:01.167"/>
     <p1510:client id="{8F94CE93-AF0D-42F5-A87D-143D481B911D}" v="24" dt="2022-06-21T23:10:19.116"/>
+    <p1510:client id="{9E1EBB5D-C61A-4532-AA3B-350C2C816771}" v="256" dt="2022-10-12T14:21:19.724"/>
     <p1510:client id="{BB9356C4-FBFB-4CF5-AB73-D695BCF48139}" v="126" dt="2022-06-21T22:01:31.809"/>
     <p1510:client id="{D56619A0-6939-4E5D-9657-ECE8AE89EF94}" v="846" dt="2022-06-29T01:33:32.494"/>
     <p1510:client id="{DAAD1254-D07C-4CE5-8A5F-ADF0CA1557A3}" v="23" dt="2022-06-27T13:31:33.741"/>
@@ -3815,7 +3816,7 @@
             <a:pPr rtl="0"/>
             <a:fld id="{47348129-1D48-4BC0-A8DB-DE2F4BBEA824}" type="datetime1">
               <a:rPr lang="pt-BR" smtClean="0"/>
-              <a:t>05/10/2022</a:t>
+              <a:t>12/10/2022</a:t>
             </a:fld>
             <a:endParaRPr lang="pt-BR"/>
           </a:p>
@@ -3997,7 +3998,7 @@
             <a:pPr rtl="0"/>
             <a:fld id="{24C4A0FF-11C3-4916-A589-DFB00A47FD91}" type="datetime1">
               <a:rPr lang="pt-BR" noProof="0" smtClean="0"/>
-              <a:t>05/10/2022</a:t>
+              <a:t>12/10/2022</a:t>
             </a:fld>
             <a:endParaRPr lang="pt-BR" noProof="0"/>
           </a:p>
@@ -4577,7 +4578,7 @@
             <a:pPr rtl="0"/>
             <a:fld id="{E9AEFBC9-BE4F-4240-8DE6-BB880A22E598}" type="datetime1">
               <a:rPr lang="pt-BR" noProof="0" smtClean="0"/>
-              <a:t>05/10/2022</a:t>
+              <a:t>12/10/2022</a:t>
             </a:fld>
             <a:endParaRPr lang="pt-BR" noProof="0"/>
           </a:p>
@@ -4914,7 +4915,7 @@
             <a:pPr rtl="0"/>
             <a:fld id="{6552FB93-F23D-466B-92AF-BE5BBA0A5B60}" type="datetime1">
               <a:rPr lang="pt-BR" noProof="0" smtClean="0"/>
-              <a:t>05/10/2022</a:t>
+              <a:t>12/10/2022</a:t>
             </a:fld>
             <a:endParaRPr lang="pt-BR" noProof="0"/>
           </a:p>
@@ -5219,7 +5220,7 @@
             <a:pPr rtl="0"/>
             <a:fld id="{691587AB-9ACC-4255-A2DE-6A0630799EB5}" type="datetime1">
               <a:rPr lang="pt-BR" noProof="0" smtClean="0"/>
-              <a:t>05/10/2022</a:t>
+              <a:t>12/10/2022</a:t>
             </a:fld>
             <a:endParaRPr lang="pt-BR" noProof="0"/>
           </a:p>
@@ -5411,7 +5412,7 @@
           <a:p>
             <a:fld id="{C764DE79-268F-4C1A-8933-263129D2AF90}" type="datetimeFigureOut">
               <a:rPr lang="en-US" dirty="0"/>
-              <a:t>10/5/2022</a:t>
+              <a:t>10/12/2022</a:t>
             </a:fld>
             <a:endParaRPr lang="en-US"/>
           </a:p>
@@ -5580,7 +5581,7 @@
           <a:p>
             <a:fld id="{C764DE79-268F-4C1A-8933-263129D2AF90}" type="datetimeFigureOut">
               <a:rPr lang="en-US" dirty="0"/>
-              <a:t>10/5/2022</a:t>
+              <a:t>10/12/2022</a:t>
             </a:fld>
             <a:endParaRPr lang="en-US"/>
           </a:p>
@@ -5826,7 +5827,7 @@
           <a:p>
             <a:fld id="{C764DE79-268F-4C1A-8933-263129D2AF90}" type="datetimeFigureOut">
               <a:rPr lang="en-US" dirty="0"/>
-              <a:t>10/5/2022</a:t>
+              <a:t>10/12/2022</a:t>
             </a:fld>
             <a:endParaRPr lang="en-US"/>
           </a:p>
@@ -6056,7 +6057,7 @@
           <a:p>
             <a:fld id="{C764DE79-268F-4C1A-8933-263129D2AF90}" type="datetimeFigureOut">
               <a:rPr lang="en-US" dirty="0"/>
-              <a:t>10/5/2022</a:t>
+              <a:t>10/12/2022</a:t>
             </a:fld>
             <a:endParaRPr lang="en-US"/>
           </a:p>
@@ -6421,7 +6422,7 @@
           <a:p>
             <a:fld id="{C764DE79-268F-4C1A-8933-263129D2AF90}" type="datetimeFigureOut">
               <a:rPr lang="en-US" dirty="0"/>
-              <a:t>10/5/2022</a:t>
+              <a:t>10/12/2022</a:t>
             </a:fld>
             <a:endParaRPr lang="en-US"/>
           </a:p>
@@ -6539,7 +6540,7 @@
           <a:p>
             <a:fld id="{C764DE79-268F-4C1A-8933-263129D2AF90}" type="datetimeFigureOut">
               <a:rPr lang="en-US" dirty="0"/>
-              <a:t>10/5/2022</a:t>
+              <a:t>10/12/2022</a:t>
             </a:fld>
             <a:endParaRPr lang="en-US"/>
           </a:p>
@@ -6635,7 +6636,7 @@
           <a:p>
             <a:fld id="{C764DE79-268F-4C1A-8933-263129D2AF90}" type="datetimeFigureOut">
               <a:rPr lang="en-US" dirty="0"/>
-              <a:t>10/5/2022</a:t>
+              <a:t>10/12/2022</a:t>
             </a:fld>
             <a:endParaRPr lang="en-US"/>
           </a:p>
@@ -6911,7 +6912,7 @@
           <a:p>
             <a:fld id="{C764DE79-268F-4C1A-8933-263129D2AF90}" type="datetimeFigureOut">
               <a:rPr lang="en-US" dirty="0"/>
-              <a:t>10/5/2022</a:t>
+              <a:t>10/12/2022</a:t>
             </a:fld>
             <a:endParaRPr lang="en-US"/>
           </a:p>
@@ -7160,7 +7161,7 @@
             <a:pPr rtl="0"/>
             <a:fld id="{D540C652-E635-40FE-8D0C-879215DFFF1F}" type="datetime1">
               <a:rPr lang="pt-BR" noProof="0" smtClean="0"/>
-              <a:t>05/10/2022</a:t>
+              <a:t>12/10/2022</a:t>
             </a:fld>
             <a:endParaRPr lang="pt-BR" noProof="0"/>
           </a:p>
@@ -7455,7 +7456,7 @@
           <a:p>
             <a:fld id="{C764DE79-268F-4C1A-8933-263129D2AF90}" type="datetimeFigureOut">
               <a:rPr lang="en-US" dirty="0"/>
-              <a:t>10/5/2022</a:t>
+              <a:t>10/12/2022</a:t>
             </a:fld>
             <a:endParaRPr lang="en-US"/>
           </a:p>
@@ -7624,7 +7625,7 @@
           <a:p>
             <a:fld id="{C764DE79-268F-4C1A-8933-263129D2AF90}" type="datetimeFigureOut">
               <a:rPr lang="en-US" dirty="0"/>
-              <a:t>10/5/2022</a:t>
+              <a:t>10/12/2022</a:t>
             </a:fld>
             <a:endParaRPr lang="en-US"/>
           </a:p>
@@ -7803,7 +7804,7 @@
           <a:p>
             <a:fld id="{C764DE79-268F-4C1A-8933-263129D2AF90}" type="datetimeFigureOut">
               <a:rPr lang="en-US" dirty="0"/>
-              <a:t>10/5/2022</a:t>
+              <a:t>10/12/2022</a:t>
             </a:fld>
             <a:endParaRPr lang="en-US"/>
           </a:p>
@@ -8172,7 +8173,7 @@
             <a:pPr rtl="0"/>
             <a:fld id="{75B0F1A7-3442-4B0B-9754-37BAABCD223C}" type="datetime1">
               <a:rPr lang="pt-BR" noProof="0" smtClean="0"/>
-              <a:t>05/10/2022</a:t>
+              <a:t>12/10/2022</a:t>
             </a:fld>
             <a:endParaRPr lang="pt-BR" noProof="0"/>
           </a:p>
@@ -8488,7 +8489,7 @@
             <a:pPr rtl="0"/>
             <a:fld id="{F9078659-7F18-4C2E-B295-290CB48AAF56}" type="datetime1">
               <a:rPr lang="pt-BR" noProof="0" smtClean="0"/>
-              <a:t>05/10/2022</a:t>
+              <a:t>12/10/2022</a:t>
             </a:fld>
             <a:endParaRPr lang="pt-BR" noProof="0"/>
           </a:p>
@@ -9034,7 +9035,7 @@
             <a:pPr rtl="0"/>
             <a:fld id="{8F515F40-481E-43A2-ACEB-0CEBCD8638BB}" type="datetime1">
               <a:rPr lang="pt-BR" noProof="0" smtClean="0"/>
-              <a:t>05/10/2022</a:t>
+              <a:t>12/10/2022</a:t>
             </a:fld>
             <a:endParaRPr lang="pt-BR" noProof="0"/>
           </a:p>
@@ -9233,7 +9234,7 @@
             <a:pPr rtl="0"/>
             <a:fld id="{3A1D4100-1199-4D13-A75F-635F0B7C0AE1}" type="datetime1">
               <a:rPr lang="pt-BR" noProof="0" smtClean="0"/>
-              <a:t>05/10/2022</a:t>
+              <a:t>12/10/2022</a:t>
             </a:fld>
             <a:endParaRPr lang="pt-BR" noProof="0"/>
           </a:p>
@@ -9450,7 +9451,7 @@
             <a:pPr rtl="0"/>
             <a:fld id="{7F8DB914-6F66-4B9D-8EE6-F09DD59AAB81}" type="datetime1">
               <a:rPr lang="pt-BR" noProof="0" smtClean="0"/>
-              <a:t>05/10/2022</a:t>
+              <a:t>12/10/2022</a:t>
             </a:fld>
             <a:endParaRPr lang="pt-BR" noProof="0"/>
           </a:p>
@@ -9822,7 +9823,7 @@
             <a:pPr rtl="0"/>
             <a:fld id="{E24E5945-5769-4F4A-8C03-D8DA61A98BD3}" type="datetime1">
               <a:rPr lang="pt-BR" noProof="0" smtClean="0"/>
-              <a:t>05/10/2022</a:t>
+              <a:t>12/10/2022</a:t>
             </a:fld>
             <a:endParaRPr lang="pt-BR" noProof="0"/>
           </a:p>
@@ -10229,7 +10230,7 @@
             <a:pPr rtl="0"/>
             <a:fld id="{EEE9D9A7-4F91-49A4-8591-098C9D8EA2CE}" type="datetime1">
               <a:rPr lang="pt-BR" noProof="0" smtClean="0"/>
-              <a:t>05/10/2022</a:t>
+              <a:t>12/10/2022</a:t>
             </a:fld>
             <a:endParaRPr lang="pt-BR" noProof="0"/>
           </a:p>
@@ -10571,7 +10572,7 @@
             <a:pPr rtl="0"/>
             <a:fld id="{494151F0-A13D-470E-BA22-7EFE7C89ACED}" type="datetime1">
               <a:rPr lang="pt-BR" noProof="0" smtClean="0"/>
-              <a:t>05/10/2022</a:t>
+              <a:t>12/10/2022</a:t>
             </a:fld>
             <a:endParaRPr lang="pt-BR" noProof="0" dirty="0"/>
           </a:p>
@@ -11223,7 +11224,7 @@
           <a:p>
             <a:fld id="{C764DE79-268F-4C1A-8933-263129D2AF90}" type="datetimeFigureOut">
               <a:rPr lang="en-US" dirty="0"/>
-              <a:t>10/5/2022</a:t>
+              <a:t>10/12/2022</a:t>
             </a:fld>
             <a:endParaRPr lang="en-US"/>
           </a:p>
@@ -16912,501 +16913,6 @@
       </p:grpSpPr>
       <p:sp>
         <p:nvSpPr>
-          <p:cNvPr id="2" name="Título 1">
-            <a:extLst>
-              <a:ext uri="{FF2B5EF4-FFF2-40B4-BE49-F238E27FC236}">
-                <a16:creationId xmlns:a16="http://schemas.microsoft.com/office/drawing/2014/main" id="{C3AF8638-D31E-4644-B537-14ADBE474233}"/>
-              </a:ext>
-            </a:extLst>
-          </p:cNvPr>
-          <p:cNvSpPr>
-            <a:spLocks noGrp="1"/>
-          </p:cNvSpPr>
-          <p:nvPr>
-            <p:ph type="title"/>
-          </p:nvPr>
-        </p:nvSpPr>
-        <p:spPr>
-          <a:xfrm>
-            <a:off x="172231" y="61050"/>
-            <a:ext cx="11456513" cy="995369"/>
-          </a:xfrm>
-        </p:spPr>
-        <p:txBody>
-          <a:bodyPr vert="horz" lIns="91440" tIns="45720" rIns="91440" bIns="45720" rtlCol="0" anchor="ctr">
-            <a:noAutofit/>
-          </a:bodyPr>
-          <a:lstStyle/>
-          <a:p>
-            <a:pPr marL="91440" algn="ctr">
-              <a:lnSpc>
-                <a:spcPct val="100000"/>
-              </a:lnSpc>
-              <a:spcBef>
-                <a:spcPts val="100"/>
-              </a:spcBef>
-              <a:spcAft>
-                <a:spcPts val="100"/>
-              </a:spcAft>
-            </a:pPr>
-            <a:r>
-              <a:rPr lang="en-US" sz="1600" b="1" dirty="0">
-                <a:latin typeface="Georgia"/>
-                <a:ea typeface="+mj-lt"/>
-                <a:cs typeface="Arial"/>
-              </a:rPr>
-              <a:t>CLASSIFICAÇÃO DE SINAIS DE EEG COM MODELOS DE REGRESSÃO FUNCIONAL</a:t>
-            </a:r>
-            <a:r>
-              <a:rPr lang="en-US" sz="2000" b="1" dirty="0">
-                <a:latin typeface="Georgia"/>
-                <a:ea typeface="+mj-lt"/>
-                <a:cs typeface="Arial"/>
-              </a:rPr>
-              <a:t> </a:t>
-            </a:r>
-            <a:endParaRPr lang="pt-BR" sz="2000" dirty="0">
-              <a:latin typeface="Georgia"/>
-              <a:cs typeface="Calibri Light"/>
-            </a:endParaRPr>
-          </a:p>
-        </p:txBody>
-      </p:sp>
-      <p:cxnSp>
-        <p:nvCxnSpPr>
-          <p:cNvPr id="5" name="Conector de Seta Reta 4">
-            <a:extLst>
-              <a:ext uri="{FF2B5EF4-FFF2-40B4-BE49-F238E27FC236}">
-                <a16:creationId xmlns:a16="http://schemas.microsoft.com/office/drawing/2014/main" id="{1F2C75D2-7AE3-44D1-BA37-59295668DCD6}"/>
-              </a:ext>
-            </a:extLst>
-          </p:cNvPr>
-          <p:cNvCxnSpPr/>
-          <p:nvPr/>
-        </p:nvCxnSpPr>
-        <p:spPr>
-          <a:xfrm>
-            <a:off x="113167" y="993401"/>
-            <a:ext cx="11910879" cy="8699"/>
-          </a:xfrm>
-          <a:prstGeom prst="straightConnector1">
-            <a:avLst/>
-          </a:prstGeom>
-          <a:ln>
-            <a:solidFill>
-              <a:schemeClr val="tx1"/>
-            </a:solidFill>
-          </a:ln>
-        </p:spPr>
-        <p:style>
-          <a:lnRef idx="1">
-            <a:schemeClr val="accent1"/>
-          </a:lnRef>
-          <a:fillRef idx="0">
-            <a:schemeClr val="accent1"/>
-          </a:fillRef>
-          <a:effectRef idx="0">
-            <a:schemeClr val="accent1"/>
-          </a:effectRef>
-          <a:fontRef idx="minor">
-            <a:schemeClr val="tx1"/>
-          </a:fontRef>
-        </p:style>
-      </p:cxnSp>
-      <p:sp>
-        <p:nvSpPr>
-          <p:cNvPr id="7" name="Espaço Reservado para Rodapé 6">
-            <a:extLst>
-              <a:ext uri="{FF2B5EF4-FFF2-40B4-BE49-F238E27FC236}">
-                <a16:creationId xmlns:a16="http://schemas.microsoft.com/office/drawing/2014/main" id="{CAC5A93D-3C31-8EF2-E746-6A0CF64C8AE5}"/>
-              </a:ext>
-            </a:extLst>
-          </p:cNvPr>
-          <p:cNvSpPr>
-            <a:spLocks noGrp="1"/>
-          </p:cNvSpPr>
-          <p:nvPr>
-            <p:ph type="ftr" sz="quarter" idx="11"/>
-          </p:nvPr>
-        </p:nvSpPr>
-        <p:spPr/>
-        <p:txBody>
-          <a:bodyPr/>
-          <a:lstStyle/>
-          <a:p>
-            <a:r>
-              <a:rPr lang="pt-BR" dirty="0"/>
-              <a:t>Contato</a:t>
-            </a:r>
-            <a:endParaRPr lang="pt-BR" dirty="0">
-              <a:cs typeface="Calibri"/>
-            </a:endParaRPr>
-          </a:p>
-        </p:txBody>
-      </p:sp>
-      <p:pic>
-        <p:nvPicPr>
-          <p:cNvPr id="10" name="Imagem 10">
-            <a:extLst>
-              <a:ext uri="{FF2B5EF4-FFF2-40B4-BE49-F238E27FC236}">
-                <a16:creationId xmlns:a16="http://schemas.microsoft.com/office/drawing/2014/main" id="{07E047AD-3CDA-F366-2445-5CE28F836EB0}"/>
-              </a:ext>
-            </a:extLst>
-          </p:cNvPr>
-          <p:cNvPicPr>
-            <a:picLocks noChangeAspect="1"/>
-          </p:cNvPicPr>
-          <p:nvPr/>
-        </p:nvPicPr>
-        <p:blipFill>
-          <a:blip r:embed="rId2"/>
-          <a:stretch>
-            <a:fillRect/>
-          </a:stretch>
-        </p:blipFill>
-        <p:spPr>
-          <a:xfrm>
-            <a:off x="170950" y="117308"/>
-            <a:ext cx="881313" cy="798095"/>
-          </a:xfrm>
-          <a:prstGeom prst="rect">
-            <a:avLst/>
-          </a:prstGeom>
-        </p:spPr>
-      </p:pic>
-      <p:sp>
-        <p:nvSpPr>
-          <p:cNvPr id="19" name="Espaço Reservado para Número de Slide 7">
-            <a:extLst>
-              <a:ext uri="{FF2B5EF4-FFF2-40B4-BE49-F238E27FC236}">
-                <a16:creationId xmlns:a16="http://schemas.microsoft.com/office/drawing/2014/main" id="{5B5C7628-439E-B620-530E-59F07BCE0B10}"/>
-              </a:ext>
-            </a:extLst>
-          </p:cNvPr>
-          <p:cNvSpPr txBox="1">
-            <a:spLocks/>
-          </p:cNvSpPr>
-          <p:nvPr/>
-        </p:nvSpPr>
-        <p:spPr>
-          <a:xfrm>
-            <a:off x="8763000" y="6508750"/>
-            <a:ext cx="2743200" cy="365125"/>
-          </a:xfrm>
-          <a:prstGeom prst="rect">
-            <a:avLst/>
-          </a:prstGeom>
-        </p:spPr>
-        <p:txBody>
-          <a:bodyPr vert="horz" lIns="91440" tIns="45720" rIns="91440" bIns="45720" rtlCol="0" anchor="ctr"/>
-          <a:lstStyle>
-            <a:defPPr rtl="0">
-              <a:defRPr lang="pt-pt"/>
-            </a:defPPr>
-            <a:lvl1pPr marL="0" algn="r" defTabSz="457200" rtl="0" eaLnBrk="1" latinLnBrk="0" hangingPunct="1">
-              <a:defRPr sz="1200" kern="1200">
-                <a:solidFill>
-                  <a:schemeClr val="tx1">
-                    <a:tint val="75000"/>
-                  </a:schemeClr>
-                </a:solidFill>
-                <a:latin typeface="+mn-lt"/>
-                <a:ea typeface="+mn-ea"/>
-                <a:cs typeface="+mn-cs"/>
-              </a:defRPr>
-            </a:lvl1pPr>
-            <a:lvl2pPr marL="457200" algn="l" defTabSz="457200" rtl="0" eaLnBrk="1" latinLnBrk="0" hangingPunct="1">
-              <a:defRPr sz="1800" kern="1200">
-                <a:solidFill>
-                  <a:schemeClr val="tx1"/>
-                </a:solidFill>
-                <a:latin typeface="+mn-lt"/>
-                <a:ea typeface="+mn-ea"/>
-                <a:cs typeface="+mn-cs"/>
-              </a:defRPr>
-            </a:lvl2pPr>
-            <a:lvl3pPr marL="914400" algn="l" defTabSz="457200" rtl="0" eaLnBrk="1" latinLnBrk="0" hangingPunct="1">
-              <a:defRPr sz="1800" kern="1200">
-                <a:solidFill>
-                  <a:schemeClr val="tx1"/>
-                </a:solidFill>
-                <a:latin typeface="+mn-lt"/>
-                <a:ea typeface="+mn-ea"/>
-                <a:cs typeface="+mn-cs"/>
-              </a:defRPr>
-            </a:lvl3pPr>
-            <a:lvl4pPr marL="1371600" algn="l" defTabSz="457200" rtl="0" eaLnBrk="1" latinLnBrk="0" hangingPunct="1">
-              <a:defRPr sz="1800" kern="1200">
-                <a:solidFill>
-                  <a:schemeClr val="tx1"/>
-                </a:solidFill>
-                <a:latin typeface="+mn-lt"/>
-                <a:ea typeface="+mn-ea"/>
-                <a:cs typeface="+mn-cs"/>
-              </a:defRPr>
-            </a:lvl4pPr>
-            <a:lvl5pPr marL="1828800" algn="l" defTabSz="457200" rtl="0" eaLnBrk="1" latinLnBrk="0" hangingPunct="1">
-              <a:defRPr sz="1800" kern="1200">
-                <a:solidFill>
-                  <a:schemeClr val="tx1"/>
-                </a:solidFill>
-                <a:latin typeface="+mn-lt"/>
-                <a:ea typeface="+mn-ea"/>
-                <a:cs typeface="+mn-cs"/>
-              </a:defRPr>
-            </a:lvl5pPr>
-            <a:lvl6pPr marL="2286000" algn="l" defTabSz="457200" rtl="0" eaLnBrk="1" latinLnBrk="0" hangingPunct="1">
-              <a:defRPr sz="1800" kern="1200">
-                <a:solidFill>
-                  <a:schemeClr val="tx1"/>
-                </a:solidFill>
-                <a:latin typeface="+mn-lt"/>
-                <a:ea typeface="+mn-ea"/>
-                <a:cs typeface="+mn-cs"/>
-              </a:defRPr>
-            </a:lvl6pPr>
-            <a:lvl7pPr marL="2743200" algn="l" defTabSz="457200" rtl="0" eaLnBrk="1" latinLnBrk="0" hangingPunct="1">
-              <a:defRPr sz="1800" kern="1200">
-                <a:solidFill>
-                  <a:schemeClr val="tx1"/>
-                </a:solidFill>
-                <a:latin typeface="+mn-lt"/>
-                <a:ea typeface="+mn-ea"/>
-                <a:cs typeface="+mn-cs"/>
-              </a:defRPr>
-            </a:lvl7pPr>
-            <a:lvl8pPr marL="3200400" algn="l" defTabSz="457200" rtl="0" eaLnBrk="1" latinLnBrk="0" hangingPunct="1">
-              <a:defRPr sz="1800" kern="1200">
-                <a:solidFill>
-                  <a:schemeClr val="tx1"/>
-                </a:solidFill>
-                <a:latin typeface="+mn-lt"/>
-                <a:ea typeface="+mn-ea"/>
-                <a:cs typeface="+mn-cs"/>
-              </a:defRPr>
-            </a:lvl8pPr>
-            <a:lvl9pPr marL="3657600" algn="l" defTabSz="457200" rtl="0" eaLnBrk="1" latinLnBrk="0" hangingPunct="1">
-              <a:defRPr sz="1800" kern="1200">
-                <a:solidFill>
-                  <a:schemeClr val="tx1"/>
-                </a:solidFill>
-                <a:latin typeface="+mn-lt"/>
-                <a:ea typeface="+mn-ea"/>
-                <a:cs typeface="+mn-cs"/>
-              </a:defRPr>
-            </a:lvl9pPr>
-          </a:lstStyle>
-          <a:p>
-            <a:fld id="{48F63A3B-78C7-47BE-AE5E-E10140E04643}" type="slidenum">
-              <a:rPr lang="en-US" dirty="0"/>
-              <a:pPr/>
-              <a:t>16</a:t>
-            </a:fld>
-            <a:endParaRPr lang="pt-BR"/>
-          </a:p>
-        </p:txBody>
-      </p:sp>
-      <p:sp>
-        <p:nvSpPr>
-          <p:cNvPr id="9" name="CaixaDeTexto 8">
-            <a:extLst>
-              <a:ext uri="{FF2B5EF4-FFF2-40B4-BE49-F238E27FC236}">
-                <a16:creationId xmlns:a16="http://schemas.microsoft.com/office/drawing/2014/main" id="{85B3D8C2-BF29-103C-ABE0-9F1F69329695}"/>
-              </a:ext>
-            </a:extLst>
-          </p:cNvPr>
-          <p:cNvSpPr txBox="1"/>
-          <p:nvPr/>
-        </p:nvSpPr>
-        <p:spPr>
-          <a:xfrm>
-            <a:off x="4313324" y="3170320"/>
-            <a:ext cx="3555331" cy="861774"/>
-          </a:xfrm>
-          <a:prstGeom prst="rect">
-            <a:avLst/>
-          </a:prstGeom>
-          <a:noFill/>
-        </p:spPr>
-        <p:txBody>
-          <a:bodyPr rot="0" spcFirstLastPara="0" vertOverflow="overflow" horzOverflow="overflow" vert="horz" wrap="square" lIns="91440" tIns="45720" rIns="91440" bIns="45720" numCol="1" spcCol="0" rtlCol="0" fromWordArt="0" anchor="t" anchorCtr="0" forceAA="0" compatLnSpc="1">
-            <a:prstTxWarp prst="textNoShape">
-              <a:avLst/>
-            </a:prstTxWarp>
-            <a:spAutoFit/>
-          </a:bodyPr>
-          <a:lstStyle/>
-          <a:p>
-            <a:pPr algn="l"/>
-            <a:r>
-              <a:rPr lang="pt-BR" sz="5000" b="1" dirty="0">
-                <a:solidFill>
-                  <a:schemeClr val="tx2"/>
-                </a:solidFill>
-                <a:latin typeface="Georgia"/>
-                <a:cs typeface="Arial"/>
-              </a:rPr>
-              <a:t>Obrigado</a:t>
-            </a:r>
-          </a:p>
-        </p:txBody>
-      </p:sp>
-      <p:sp>
-        <p:nvSpPr>
-          <p:cNvPr id="12" name="CaixaDeTexto 11">
-            <a:extLst>
-              <a:ext uri="{FF2B5EF4-FFF2-40B4-BE49-F238E27FC236}">
-                <a16:creationId xmlns:a16="http://schemas.microsoft.com/office/drawing/2014/main" id="{EE949BE8-4905-E99E-18C7-CA4CF879DD3F}"/>
-              </a:ext>
-            </a:extLst>
-          </p:cNvPr>
-          <p:cNvSpPr txBox="1"/>
-          <p:nvPr/>
-        </p:nvSpPr>
-        <p:spPr>
-          <a:xfrm>
-            <a:off x="3029954" y="4714373"/>
-            <a:ext cx="6753725" cy="430887"/>
-          </a:xfrm>
-          <a:prstGeom prst="rect">
-            <a:avLst/>
-          </a:prstGeom>
-          <a:noFill/>
-        </p:spPr>
-        <p:txBody>
-          <a:bodyPr rot="0" spcFirstLastPara="0" vertOverflow="overflow" horzOverflow="overflow" vert="horz" wrap="square" lIns="91440" tIns="45720" rIns="91440" bIns="45720" numCol="1" spcCol="0" rtlCol="0" fromWordArt="0" anchor="t" anchorCtr="0" forceAA="0" compatLnSpc="1">
-            <a:prstTxWarp prst="textNoShape">
-              <a:avLst/>
-            </a:prstTxWarp>
-            <a:spAutoFit/>
-          </a:bodyPr>
-          <a:lstStyle/>
-          <a:p>
-            <a:r>
-              <a:rPr lang="pt-BR" sz="2200" dirty="0">
-                <a:latin typeface="Georgia"/>
-                <a:cs typeface="Arial"/>
-              </a:rPr>
-              <a:t>Contato: </a:t>
-            </a:r>
-            <a:r>
-              <a:rPr lang="pt-BR" sz="2200" dirty="0">
-                <a:latin typeface="Georgia"/>
-                <a:cs typeface="Arial"/>
-                <a:hlinkClick r:id="rId3"/>
-              </a:rPr>
-              <a:t>rodrigo.marcel.oliveira@alumni.usp.br</a:t>
-            </a:r>
-            <a:r>
-              <a:rPr lang="pt-BR" sz="2200" dirty="0">
-                <a:latin typeface="Georgia"/>
-                <a:cs typeface="Arial"/>
-              </a:rPr>
-              <a:t> </a:t>
-            </a:r>
-          </a:p>
-        </p:txBody>
-      </p:sp>
-      <p:pic>
-        <p:nvPicPr>
-          <p:cNvPr id="4" name="Imagem 5" descr="Logotipo, nome da empresa&#10;&#10;Descrição gerada automaticamente">
-            <a:extLst>
-              <a:ext uri="{FF2B5EF4-FFF2-40B4-BE49-F238E27FC236}">
-                <a16:creationId xmlns:a16="http://schemas.microsoft.com/office/drawing/2014/main" id="{42B7BFD3-C26A-2010-FCAB-79BB93C2EC86}"/>
-              </a:ext>
-            </a:extLst>
-          </p:cNvPr>
-          <p:cNvPicPr>
-            <a:picLocks noChangeAspect="1"/>
-          </p:cNvPicPr>
-          <p:nvPr/>
-        </p:nvPicPr>
-        <p:blipFill>
-          <a:blip r:embed="rId4"/>
-          <a:stretch>
-            <a:fillRect/>
-          </a:stretch>
-        </p:blipFill>
-        <p:spPr>
-          <a:xfrm>
-            <a:off x="168088" y="5827619"/>
-            <a:ext cx="1524000" cy="895350"/>
-          </a:xfrm>
-          <a:prstGeom prst="rect">
-            <a:avLst/>
-          </a:prstGeom>
-        </p:spPr>
-      </p:pic>
-      <p:pic>
-        <p:nvPicPr>
-          <p:cNvPr id="8" name="Imagem 2" descr="Logotipo&#10;&#10;Descrição gerada automaticamente">
-            <a:extLst>
-              <a:ext uri="{FF2B5EF4-FFF2-40B4-BE49-F238E27FC236}">
-                <a16:creationId xmlns:a16="http://schemas.microsoft.com/office/drawing/2014/main" id="{A7F9884F-9F4C-B238-2A65-94F8F73BD4F1}"/>
-              </a:ext>
-            </a:extLst>
-          </p:cNvPr>
-          <p:cNvPicPr>
-            <a:picLocks noChangeAspect="1"/>
-          </p:cNvPicPr>
-          <p:nvPr/>
-        </p:nvPicPr>
-        <p:blipFill>
-          <a:blip r:embed="rId5"/>
-          <a:stretch>
-            <a:fillRect/>
-          </a:stretch>
-        </p:blipFill>
-        <p:spPr>
-          <a:xfrm>
-            <a:off x="10638024" y="191061"/>
-            <a:ext cx="1427070" cy="648821"/>
-          </a:xfrm>
-          <a:prstGeom prst="rect">
-            <a:avLst/>
-          </a:prstGeom>
-        </p:spPr>
-      </p:pic>
-    </p:spTree>
-    <p:extLst>
-      <p:ext uri="{BB962C8B-B14F-4D97-AF65-F5344CB8AC3E}">
-        <p14:creationId xmlns:p14="http://schemas.microsoft.com/office/powerpoint/2010/main" val="3912503075"/>
-      </p:ext>
-    </p:extLst>
-  </p:cSld>
-  <p:clrMapOvr>
-    <a:masterClrMapping/>
-  </p:clrMapOvr>
-</p:sld>
-</file>
-
-<file path=ppt/slides/slide17.xml><?xml version="1.0" encoding="utf-8"?>
-<p:sld xmlns:a="http://schemas.openxmlformats.org/drawingml/2006/main" xmlns:r="http://schemas.openxmlformats.org/officeDocument/2006/relationships" xmlns:p="http://schemas.openxmlformats.org/presentationml/2006/main">
-  <p:cSld>
-    <p:bg>
-      <p:bgPr>
-        <a:solidFill>
-          <a:schemeClr val="bg1"/>
-        </a:solidFill>
-        <a:effectLst/>
-      </p:bgPr>
-    </p:bg>
-    <p:spTree>
-      <p:nvGrpSpPr>
-        <p:cNvPr id="1" name=""/>
-        <p:cNvGrpSpPr/>
-        <p:nvPr/>
-      </p:nvGrpSpPr>
-      <p:grpSpPr>
-        <a:xfrm>
-          <a:off x="0" y="0"/>
-          <a:ext cx="0" cy="0"/>
-          <a:chOff x="0" y="0"/>
-          <a:chExt cx="0" cy="0"/>
-        </a:xfrm>
-      </p:grpSpPr>
-      <p:sp>
-        <p:nvSpPr>
           <p:cNvPr id="9" name="Espaço Reservado para Conteúdo 2">
             <a:extLst>
               <a:ext uri="{FF2B5EF4-FFF2-40B4-BE49-F238E27FC236}">
@@ -17909,7 +17415,7 @@
           <a:p>
             <a:fld id="{48F63A3B-78C7-47BE-AE5E-E10140E04643}" type="slidenum">
               <a:rPr lang="en-US" dirty="0"/>
-              <a:t>17</a:t>
+              <a:t>16</a:t>
             </a:fld>
             <a:endParaRPr lang="pt-BR"/>
           </a:p>
@@ -18112,6 +17618,501 @@
     <p:extLst>
       <p:ext uri="{BB962C8B-B14F-4D97-AF65-F5344CB8AC3E}">
         <p14:creationId xmlns:p14="http://schemas.microsoft.com/office/powerpoint/2010/main" val="832575388"/>
+      </p:ext>
+    </p:extLst>
+  </p:cSld>
+  <p:clrMapOvr>
+    <a:masterClrMapping/>
+  </p:clrMapOvr>
+</p:sld>
+</file>
+
+<file path=ppt/slides/slide17.xml><?xml version="1.0" encoding="utf-8"?>
+<p:sld xmlns:a="http://schemas.openxmlformats.org/drawingml/2006/main" xmlns:r="http://schemas.openxmlformats.org/officeDocument/2006/relationships" xmlns:p="http://schemas.openxmlformats.org/presentationml/2006/main">
+  <p:cSld>
+    <p:bg>
+      <p:bgPr>
+        <a:solidFill>
+          <a:schemeClr val="bg1"/>
+        </a:solidFill>
+        <a:effectLst/>
+      </p:bgPr>
+    </p:bg>
+    <p:spTree>
+      <p:nvGrpSpPr>
+        <p:cNvPr id="1" name=""/>
+        <p:cNvGrpSpPr/>
+        <p:nvPr/>
+      </p:nvGrpSpPr>
+      <p:grpSpPr>
+        <a:xfrm>
+          <a:off x="0" y="0"/>
+          <a:ext cx="0" cy="0"/>
+          <a:chOff x="0" y="0"/>
+          <a:chExt cx="0" cy="0"/>
+        </a:xfrm>
+      </p:grpSpPr>
+      <p:sp>
+        <p:nvSpPr>
+          <p:cNvPr id="2" name="Título 1">
+            <a:extLst>
+              <a:ext uri="{FF2B5EF4-FFF2-40B4-BE49-F238E27FC236}">
+                <a16:creationId xmlns:a16="http://schemas.microsoft.com/office/drawing/2014/main" id="{C3AF8638-D31E-4644-B537-14ADBE474233}"/>
+              </a:ext>
+            </a:extLst>
+          </p:cNvPr>
+          <p:cNvSpPr>
+            <a:spLocks noGrp="1"/>
+          </p:cNvSpPr>
+          <p:nvPr>
+            <p:ph type="title"/>
+          </p:nvPr>
+        </p:nvSpPr>
+        <p:spPr>
+          <a:xfrm>
+            <a:off x="172231" y="61050"/>
+            <a:ext cx="11456513" cy="995369"/>
+          </a:xfrm>
+        </p:spPr>
+        <p:txBody>
+          <a:bodyPr vert="horz" lIns="91440" tIns="45720" rIns="91440" bIns="45720" rtlCol="0" anchor="ctr">
+            <a:noAutofit/>
+          </a:bodyPr>
+          <a:lstStyle/>
+          <a:p>
+            <a:pPr marL="91440" algn="ctr">
+              <a:lnSpc>
+                <a:spcPct val="100000"/>
+              </a:lnSpc>
+              <a:spcBef>
+                <a:spcPts val="100"/>
+              </a:spcBef>
+              <a:spcAft>
+                <a:spcPts val="100"/>
+              </a:spcAft>
+            </a:pPr>
+            <a:r>
+              <a:rPr lang="en-US" sz="1600" b="1" dirty="0">
+                <a:latin typeface="Georgia"/>
+                <a:ea typeface="+mj-lt"/>
+                <a:cs typeface="Arial"/>
+              </a:rPr>
+              <a:t>CLASSIFICAÇÃO DE SINAIS DE EEG COM MODELOS DE REGRESSÃO FUNCIONAL</a:t>
+            </a:r>
+            <a:r>
+              <a:rPr lang="en-US" sz="2000" b="1" dirty="0">
+                <a:latin typeface="Georgia"/>
+                <a:ea typeface="+mj-lt"/>
+                <a:cs typeface="Arial"/>
+              </a:rPr>
+              <a:t> </a:t>
+            </a:r>
+            <a:endParaRPr lang="pt-BR" sz="2000" dirty="0">
+              <a:latin typeface="Georgia"/>
+              <a:cs typeface="Calibri Light"/>
+            </a:endParaRPr>
+          </a:p>
+        </p:txBody>
+      </p:sp>
+      <p:cxnSp>
+        <p:nvCxnSpPr>
+          <p:cNvPr id="5" name="Conector de Seta Reta 4">
+            <a:extLst>
+              <a:ext uri="{FF2B5EF4-FFF2-40B4-BE49-F238E27FC236}">
+                <a16:creationId xmlns:a16="http://schemas.microsoft.com/office/drawing/2014/main" id="{1F2C75D2-7AE3-44D1-BA37-59295668DCD6}"/>
+              </a:ext>
+            </a:extLst>
+          </p:cNvPr>
+          <p:cNvCxnSpPr/>
+          <p:nvPr/>
+        </p:nvCxnSpPr>
+        <p:spPr>
+          <a:xfrm>
+            <a:off x="113167" y="993401"/>
+            <a:ext cx="11910879" cy="8699"/>
+          </a:xfrm>
+          <a:prstGeom prst="straightConnector1">
+            <a:avLst/>
+          </a:prstGeom>
+          <a:ln>
+            <a:solidFill>
+              <a:schemeClr val="tx1"/>
+            </a:solidFill>
+          </a:ln>
+        </p:spPr>
+        <p:style>
+          <a:lnRef idx="1">
+            <a:schemeClr val="accent1"/>
+          </a:lnRef>
+          <a:fillRef idx="0">
+            <a:schemeClr val="accent1"/>
+          </a:fillRef>
+          <a:effectRef idx="0">
+            <a:schemeClr val="accent1"/>
+          </a:effectRef>
+          <a:fontRef idx="minor">
+            <a:schemeClr val="tx1"/>
+          </a:fontRef>
+        </p:style>
+      </p:cxnSp>
+      <p:sp>
+        <p:nvSpPr>
+          <p:cNvPr id="7" name="Espaço Reservado para Rodapé 6">
+            <a:extLst>
+              <a:ext uri="{FF2B5EF4-FFF2-40B4-BE49-F238E27FC236}">
+                <a16:creationId xmlns:a16="http://schemas.microsoft.com/office/drawing/2014/main" id="{CAC5A93D-3C31-8EF2-E746-6A0CF64C8AE5}"/>
+              </a:ext>
+            </a:extLst>
+          </p:cNvPr>
+          <p:cNvSpPr>
+            <a:spLocks noGrp="1"/>
+          </p:cNvSpPr>
+          <p:nvPr>
+            <p:ph type="ftr" sz="quarter" idx="11"/>
+          </p:nvPr>
+        </p:nvSpPr>
+        <p:spPr/>
+        <p:txBody>
+          <a:bodyPr/>
+          <a:lstStyle/>
+          <a:p>
+            <a:r>
+              <a:rPr lang="pt-BR" dirty="0"/>
+              <a:t>Contato</a:t>
+            </a:r>
+            <a:endParaRPr lang="pt-BR" dirty="0">
+              <a:cs typeface="Calibri"/>
+            </a:endParaRPr>
+          </a:p>
+        </p:txBody>
+      </p:sp>
+      <p:pic>
+        <p:nvPicPr>
+          <p:cNvPr id="10" name="Imagem 10">
+            <a:extLst>
+              <a:ext uri="{FF2B5EF4-FFF2-40B4-BE49-F238E27FC236}">
+                <a16:creationId xmlns:a16="http://schemas.microsoft.com/office/drawing/2014/main" id="{07E047AD-3CDA-F366-2445-5CE28F836EB0}"/>
+              </a:ext>
+            </a:extLst>
+          </p:cNvPr>
+          <p:cNvPicPr>
+            <a:picLocks noChangeAspect="1"/>
+          </p:cNvPicPr>
+          <p:nvPr/>
+        </p:nvPicPr>
+        <p:blipFill>
+          <a:blip r:embed="rId2"/>
+          <a:stretch>
+            <a:fillRect/>
+          </a:stretch>
+        </p:blipFill>
+        <p:spPr>
+          <a:xfrm>
+            <a:off x="170950" y="117308"/>
+            <a:ext cx="881313" cy="798095"/>
+          </a:xfrm>
+          <a:prstGeom prst="rect">
+            <a:avLst/>
+          </a:prstGeom>
+        </p:spPr>
+      </p:pic>
+      <p:sp>
+        <p:nvSpPr>
+          <p:cNvPr id="19" name="Espaço Reservado para Número de Slide 7">
+            <a:extLst>
+              <a:ext uri="{FF2B5EF4-FFF2-40B4-BE49-F238E27FC236}">
+                <a16:creationId xmlns:a16="http://schemas.microsoft.com/office/drawing/2014/main" id="{5B5C7628-439E-B620-530E-59F07BCE0B10}"/>
+              </a:ext>
+            </a:extLst>
+          </p:cNvPr>
+          <p:cNvSpPr txBox="1">
+            <a:spLocks/>
+          </p:cNvSpPr>
+          <p:nvPr/>
+        </p:nvSpPr>
+        <p:spPr>
+          <a:xfrm>
+            <a:off x="8763000" y="6508750"/>
+            <a:ext cx="2743200" cy="365125"/>
+          </a:xfrm>
+          <a:prstGeom prst="rect">
+            <a:avLst/>
+          </a:prstGeom>
+        </p:spPr>
+        <p:txBody>
+          <a:bodyPr vert="horz" lIns="91440" tIns="45720" rIns="91440" bIns="45720" rtlCol="0" anchor="ctr"/>
+          <a:lstStyle>
+            <a:defPPr rtl="0">
+              <a:defRPr lang="pt-pt"/>
+            </a:defPPr>
+            <a:lvl1pPr marL="0" algn="r" defTabSz="457200" rtl="0" eaLnBrk="1" latinLnBrk="0" hangingPunct="1">
+              <a:defRPr sz="1200" kern="1200">
+                <a:solidFill>
+                  <a:schemeClr val="tx1">
+                    <a:tint val="75000"/>
+                  </a:schemeClr>
+                </a:solidFill>
+                <a:latin typeface="+mn-lt"/>
+                <a:ea typeface="+mn-ea"/>
+                <a:cs typeface="+mn-cs"/>
+              </a:defRPr>
+            </a:lvl1pPr>
+            <a:lvl2pPr marL="457200" algn="l" defTabSz="457200" rtl="0" eaLnBrk="1" latinLnBrk="0" hangingPunct="1">
+              <a:defRPr sz="1800" kern="1200">
+                <a:solidFill>
+                  <a:schemeClr val="tx1"/>
+                </a:solidFill>
+                <a:latin typeface="+mn-lt"/>
+                <a:ea typeface="+mn-ea"/>
+                <a:cs typeface="+mn-cs"/>
+              </a:defRPr>
+            </a:lvl2pPr>
+            <a:lvl3pPr marL="914400" algn="l" defTabSz="457200" rtl="0" eaLnBrk="1" latinLnBrk="0" hangingPunct="1">
+              <a:defRPr sz="1800" kern="1200">
+                <a:solidFill>
+                  <a:schemeClr val="tx1"/>
+                </a:solidFill>
+                <a:latin typeface="+mn-lt"/>
+                <a:ea typeface="+mn-ea"/>
+                <a:cs typeface="+mn-cs"/>
+              </a:defRPr>
+            </a:lvl3pPr>
+            <a:lvl4pPr marL="1371600" algn="l" defTabSz="457200" rtl="0" eaLnBrk="1" latinLnBrk="0" hangingPunct="1">
+              <a:defRPr sz="1800" kern="1200">
+                <a:solidFill>
+                  <a:schemeClr val="tx1"/>
+                </a:solidFill>
+                <a:latin typeface="+mn-lt"/>
+                <a:ea typeface="+mn-ea"/>
+                <a:cs typeface="+mn-cs"/>
+              </a:defRPr>
+            </a:lvl4pPr>
+            <a:lvl5pPr marL="1828800" algn="l" defTabSz="457200" rtl="0" eaLnBrk="1" latinLnBrk="0" hangingPunct="1">
+              <a:defRPr sz="1800" kern="1200">
+                <a:solidFill>
+                  <a:schemeClr val="tx1"/>
+                </a:solidFill>
+                <a:latin typeface="+mn-lt"/>
+                <a:ea typeface="+mn-ea"/>
+                <a:cs typeface="+mn-cs"/>
+              </a:defRPr>
+            </a:lvl5pPr>
+            <a:lvl6pPr marL="2286000" algn="l" defTabSz="457200" rtl="0" eaLnBrk="1" latinLnBrk="0" hangingPunct="1">
+              <a:defRPr sz="1800" kern="1200">
+                <a:solidFill>
+                  <a:schemeClr val="tx1"/>
+                </a:solidFill>
+                <a:latin typeface="+mn-lt"/>
+                <a:ea typeface="+mn-ea"/>
+                <a:cs typeface="+mn-cs"/>
+              </a:defRPr>
+            </a:lvl6pPr>
+            <a:lvl7pPr marL="2743200" algn="l" defTabSz="457200" rtl="0" eaLnBrk="1" latinLnBrk="0" hangingPunct="1">
+              <a:defRPr sz="1800" kern="1200">
+                <a:solidFill>
+                  <a:schemeClr val="tx1"/>
+                </a:solidFill>
+                <a:latin typeface="+mn-lt"/>
+                <a:ea typeface="+mn-ea"/>
+                <a:cs typeface="+mn-cs"/>
+              </a:defRPr>
+            </a:lvl7pPr>
+            <a:lvl8pPr marL="3200400" algn="l" defTabSz="457200" rtl="0" eaLnBrk="1" latinLnBrk="0" hangingPunct="1">
+              <a:defRPr sz="1800" kern="1200">
+                <a:solidFill>
+                  <a:schemeClr val="tx1"/>
+                </a:solidFill>
+                <a:latin typeface="+mn-lt"/>
+                <a:ea typeface="+mn-ea"/>
+                <a:cs typeface="+mn-cs"/>
+              </a:defRPr>
+            </a:lvl8pPr>
+            <a:lvl9pPr marL="3657600" algn="l" defTabSz="457200" rtl="0" eaLnBrk="1" latinLnBrk="0" hangingPunct="1">
+              <a:defRPr sz="1800" kern="1200">
+                <a:solidFill>
+                  <a:schemeClr val="tx1"/>
+                </a:solidFill>
+                <a:latin typeface="+mn-lt"/>
+                <a:ea typeface="+mn-ea"/>
+                <a:cs typeface="+mn-cs"/>
+              </a:defRPr>
+            </a:lvl9pPr>
+          </a:lstStyle>
+          <a:p>
+            <a:fld id="{48F63A3B-78C7-47BE-AE5E-E10140E04643}" type="slidenum">
+              <a:rPr lang="en-US" dirty="0"/>
+              <a:pPr/>
+              <a:t>17</a:t>
+            </a:fld>
+            <a:endParaRPr lang="pt-BR"/>
+          </a:p>
+        </p:txBody>
+      </p:sp>
+      <p:sp>
+        <p:nvSpPr>
+          <p:cNvPr id="9" name="CaixaDeTexto 8">
+            <a:extLst>
+              <a:ext uri="{FF2B5EF4-FFF2-40B4-BE49-F238E27FC236}">
+                <a16:creationId xmlns:a16="http://schemas.microsoft.com/office/drawing/2014/main" id="{85B3D8C2-BF29-103C-ABE0-9F1F69329695}"/>
+              </a:ext>
+            </a:extLst>
+          </p:cNvPr>
+          <p:cNvSpPr txBox="1"/>
+          <p:nvPr/>
+        </p:nvSpPr>
+        <p:spPr>
+          <a:xfrm>
+            <a:off x="4313324" y="3170320"/>
+            <a:ext cx="3555331" cy="861774"/>
+          </a:xfrm>
+          <a:prstGeom prst="rect">
+            <a:avLst/>
+          </a:prstGeom>
+          <a:noFill/>
+        </p:spPr>
+        <p:txBody>
+          <a:bodyPr rot="0" spcFirstLastPara="0" vertOverflow="overflow" horzOverflow="overflow" vert="horz" wrap="square" lIns="91440" tIns="45720" rIns="91440" bIns="45720" numCol="1" spcCol="0" rtlCol="0" fromWordArt="0" anchor="t" anchorCtr="0" forceAA="0" compatLnSpc="1">
+            <a:prstTxWarp prst="textNoShape">
+              <a:avLst/>
+            </a:prstTxWarp>
+            <a:spAutoFit/>
+          </a:bodyPr>
+          <a:lstStyle/>
+          <a:p>
+            <a:pPr algn="l"/>
+            <a:r>
+              <a:rPr lang="pt-BR" sz="5000" b="1" dirty="0">
+                <a:solidFill>
+                  <a:schemeClr val="tx2"/>
+                </a:solidFill>
+                <a:latin typeface="Georgia"/>
+                <a:cs typeface="Arial"/>
+              </a:rPr>
+              <a:t>Obrigado</a:t>
+            </a:r>
+          </a:p>
+        </p:txBody>
+      </p:sp>
+      <p:sp>
+        <p:nvSpPr>
+          <p:cNvPr id="12" name="CaixaDeTexto 11">
+            <a:extLst>
+              <a:ext uri="{FF2B5EF4-FFF2-40B4-BE49-F238E27FC236}">
+                <a16:creationId xmlns:a16="http://schemas.microsoft.com/office/drawing/2014/main" id="{EE949BE8-4905-E99E-18C7-CA4CF879DD3F}"/>
+              </a:ext>
+            </a:extLst>
+          </p:cNvPr>
+          <p:cNvSpPr txBox="1"/>
+          <p:nvPr/>
+        </p:nvSpPr>
+        <p:spPr>
+          <a:xfrm>
+            <a:off x="3029954" y="4714373"/>
+            <a:ext cx="6753725" cy="430887"/>
+          </a:xfrm>
+          <a:prstGeom prst="rect">
+            <a:avLst/>
+          </a:prstGeom>
+          <a:noFill/>
+        </p:spPr>
+        <p:txBody>
+          <a:bodyPr rot="0" spcFirstLastPara="0" vertOverflow="overflow" horzOverflow="overflow" vert="horz" wrap="square" lIns="91440" tIns="45720" rIns="91440" bIns="45720" numCol="1" spcCol="0" rtlCol="0" fromWordArt="0" anchor="t" anchorCtr="0" forceAA="0" compatLnSpc="1">
+            <a:prstTxWarp prst="textNoShape">
+              <a:avLst/>
+            </a:prstTxWarp>
+            <a:spAutoFit/>
+          </a:bodyPr>
+          <a:lstStyle/>
+          <a:p>
+            <a:r>
+              <a:rPr lang="pt-BR" sz="2200" dirty="0">
+                <a:latin typeface="Georgia"/>
+                <a:cs typeface="Arial"/>
+              </a:rPr>
+              <a:t>Contato: </a:t>
+            </a:r>
+            <a:r>
+              <a:rPr lang="pt-BR" sz="2200" dirty="0">
+                <a:latin typeface="Georgia"/>
+                <a:cs typeface="Arial"/>
+                <a:hlinkClick r:id="rId3"/>
+              </a:rPr>
+              <a:t>rodrigo.marcel.oliveira@alumni.usp.br</a:t>
+            </a:r>
+            <a:r>
+              <a:rPr lang="pt-BR" sz="2200" dirty="0">
+                <a:latin typeface="Georgia"/>
+                <a:cs typeface="Arial"/>
+              </a:rPr>
+              <a:t> </a:t>
+            </a:r>
+          </a:p>
+        </p:txBody>
+      </p:sp>
+      <p:pic>
+        <p:nvPicPr>
+          <p:cNvPr id="4" name="Imagem 5" descr="Logotipo, nome da empresa&#10;&#10;Descrição gerada automaticamente">
+            <a:extLst>
+              <a:ext uri="{FF2B5EF4-FFF2-40B4-BE49-F238E27FC236}">
+                <a16:creationId xmlns:a16="http://schemas.microsoft.com/office/drawing/2014/main" id="{42B7BFD3-C26A-2010-FCAB-79BB93C2EC86}"/>
+              </a:ext>
+            </a:extLst>
+          </p:cNvPr>
+          <p:cNvPicPr>
+            <a:picLocks noChangeAspect="1"/>
+          </p:cNvPicPr>
+          <p:nvPr/>
+        </p:nvPicPr>
+        <p:blipFill>
+          <a:blip r:embed="rId4"/>
+          <a:stretch>
+            <a:fillRect/>
+          </a:stretch>
+        </p:blipFill>
+        <p:spPr>
+          <a:xfrm>
+            <a:off x="168088" y="5827619"/>
+            <a:ext cx="1524000" cy="895350"/>
+          </a:xfrm>
+          <a:prstGeom prst="rect">
+            <a:avLst/>
+          </a:prstGeom>
+        </p:spPr>
+      </p:pic>
+      <p:pic>
+        <p:nvPicPr>
+          <p:cNvPr id="8" name="Imagem 2" descr="Logotipo&#10;&#10;Descrição gerada automaticamente">
+            <a:extLst>
+              <a:ext uri="{FF2B5EF4-FFF2-40B4-BE49-F238E27FC236}">
+                <a16:creationId xmlns:a16="http://schemas.microsoft.com/office/drawing/2014/main" id="{A7F9884F-9F4C-B238-2A65-94F8F73BD4F1}"/>
+              </a:ext>
+            </a:extLst>
+          </p:cNvPr>
+          <p:cNvPicPr>
+            <a:picLocks noChangeAspect="1"/>
+          </p:cNvPicPr>
+          <p:nvPr/>
+        </p:nvPicPr>
+        <p:blipFill>
+          <a:blip r:embed="rId5"/>
+          <a:stretch>
+            <a:fillRect/>
+          </a:stretch>
+        </p:blipFill>
+        <p:spPr>
+          <a:xfrm>
+            <a:off x="10638024" y="191061"/>
+            <a:ext cx="1427070" cy="648821"/>
+          </a:xfrm>
+          <a:prstGeom prst="rect">
+            <a:avLst/>
+          </a:prstGeom>
+        </p:spPr>
+      </p:pic>
+    </p:spTree>
+    <p:extLst>
+      <p:ext uri="{BB962C8B-B14F-4D97-AF65-F5344CB8AC3E}">
+        <p14:creationId xmlns:p14="http://schemas.microsoft.com/office/powerpoint/2010/main" val="3912503075"/>
       </p:ext>
     </p:extLst>
   </p:cSld>
@@ -19701,411 +19702,6 @@
       </p:pic>
       <p:sp>
         <p:nvSpPr>
-          <p:cNvPr id="17" name="Espaço Reservado para Conteúdo 2">
-            <a:extLst>
-              <a:ext uri="{FF2B5EF4-FFF2-40B4-BE49-F238E27FC236}">
-                <a16:creationId xmlns:a16="http://schemas.microsoft.com/office/drawing/2014/main" id="{23163C9C-547B-BEDC-40A8-C14B2B3CA18D}"/>
-              </a:ext>
-            </a:extLst>
-          </p:cNvPr>
-          <p:cNvSpPr>
-            <a:spLocks noGrp="1"/>
-          </p:cNvSpPr>
-          <p:nvPr>
-            <p:ph idx="1"/>
-          </p:nvPr>
-        </p:nvSpPr>
-        <p:spPr>
-          <a:xfrm>
-            <a:off x="522497" y="1799755"/>
-            <a:ext cx="11065116" cy="4026915"/>
-          </a:xfrm>
-        </p:spPr>
-        <p:txBody>
-          <a:bodyPr vert="horz" lIns="91440" tIns="45720" rIns="91440" bIns="45720" rtlCol="0" anchor="t">
-            <a:noAutofit/>
-          </a:bodyPr>
-          <a:lstStyle/>
-          <a:p>
-            <a:pPr algn="just"/>
-            <a:endParaRPr lang="pt-BR" sz="1800" dirty="0">
-              <a:latin typeface="Georgia"/>
-              <a:ea typeface="+mn-lt"/>
-              <a:cs typeface="+mn-lt"/>
-            </a:endParaRPr>
-          </a:p>
-          <a:p>
-            <a:pPr algn="just"/>
-            <a:r>
-              <a:rPr lang="pt-BR" sz="2200" dirty="0">
-                <a:latin typeface="Georgia"/>
-                <a:ea typeface="+mn-lt"/>
-                <a:cs typeface="+mn-lt"/>
-              </a:rPr>
-              <a:t>A análise espectral permite a identificação de fontes de interferência e proporciona uma forma rápida e eficiente de identificar as componentes de um sinal [2].</a:t>
-            </a:r>
-          </a:p>
-          <a:p>
-            <a:pPr algn="just"/>
-            <a:endParaRPr lang="pt-BR" sz="2200" dirty="0">
-              <a:latin typeface="Georgia"/>
-              <a:cs typeface="Calibri"/>
-            </a:endParaRPr>
-          </a:p>
-          <a:p>
-            <a:pPr algn="just"/>
-            <a:r>
-              <a:rPr lang="pt-BR" sz="2200" dirty="0">
-                <a:latin typeface="Georgia"/>
-                <a:ea typeface="+mn-lt"/>
-                <a:cs typeface="+mn-lt"/>
-              </a:rPr>
-              <a:t>As bases da análise de Fourier são ondas senoidais, e, portanto, o sinal é analisado como um todo.</a:t>
-            </a:r>
-          </a:p>
-          <a:p>
-            <a:pPr algn="just"/>
-            <a:endParaRPr lang="pt-BR" sz="2200" dirty="0">
-              <a:latin typeface="Georgia"/>
-              <a:ea typeface="+mn-lt"/>
-              <a:cs typeface="+mn-lt"/>
-            </a:endParaRPr>
-          </a:p>
-          <a:p>
-            <a:pPr algn="just"/>
-            <a:r>
-              <a:rPr lang="pt-BR" sz="2200" dirty="0">
-                <a:latin typeface="Georgia"/>
-                <a:ea typeface="+mn-lt"/>
-                <a:cs typeface="+mn-lt"/>
-              </a:rPr>
-              <a:t>As </a:t>
-            </a:r>
-            <a:r>
-              <a:rPr lang="pt-BR" sz="2200" dirty="0" err="1">
-                <a:latin typeface="Georgia"/>
-                <a:ea typeface="+mn-lt"/>
-                <a:cs typeface="+mn-lt"/>
-              </a:rPr>
-              <a:t>Wavelets</a:t>
-            </a:r>
-            <a:r>
-              <a:rPr lang="pt-BR" sz="2200" dirty="0">
-                <a:latin typeface="Georgia"/>
-                <a:ea typeface="+mn-lt"/>
-                <a:cs typeface="+mn-lt"/>
-              </a:rPr>
-              <a:t> decompõem o sinal em versões escalonadas e deslocadas de sua </a:t>
-            </a:r>
-            <a:r>
-              <a:rPr lang="pt-BR" sz="2200" dirty="0" err="1">
-                <a:latin typeface="Georgia"/>
-                <a:ea typeface="+mn-lt"/>
-                <a:cs typeface="+mn-lt"/>
-              </a:rPr>
-              <a:t>Wavelet</a:t>
-            </a:r>
-            <a:r>
-              <a:rPr lang="pt-BR" sz="2200" dirty="0">
-                <a:latin typeface="Georgia"/>
-                <a:ea typeface="+mn-lt"/>
-                <a:cs typeface="+mn-lt"/>
-              </a:rPr>
-              <a:t> original, elas tendem a serem irregulares e assimétricas</a:t>
-            </a:r>
-          </a:p>
-        </p:txBody>
-      </p:sp>
-      <p:pic>
-        <p:nvPicPr>
-          <p:cNvPr id="4" name="Imagem 5" descr="Logotipo, nome da empresa&#10;&#10;Descrição gerada automaticamente">
-            <a:extLst>
-              <a:ext uri="{FF2B5EF4-FFF2-40B4-BE49-F238E27FC236}">
-                <a16:creationId xmlns:a16="http://schemas.microsoft.com/office/drawing/2014/main" id="{4E189347-4D62-BA44-FB88-89977723F182}"/>
-              </a:ext>
-            </a:extLst>
-          </p:cNvPr>
-          <p:cNvPicPr>
-            <a:picLocks noChangeAspect="1"/>
-          </p:cNvPicPr>
-          <p:nvPr/>
-        </p:nvPicPr>
-        <p:blipFill>
-          <a:blip r:embed="rId3"/>
-          <a:stretch>
-            <a:fillRect/>
-          </a:stretch>
-        </p:blipFill>
-        <p:spPr>
-          <a:xfrm>
-            <a:off x="168088" y="5827619"/>
-            <a:ext cx="1524000" cy="895350"/>
-          </a:xfrm>
-          <a:prstGeom prst="rect">
-            <a:avLst/>
-          </a:prstGeom>
-        </p:spPr>
-      </p:pic>
-      <p:pic>
-        <p:nvPicPr>
-          <p:cNvPr id="9" name="Imagem 2" descr="Logotipo&#10;&#10;Descrição gerada automaticamente">
-            <a:extLst>
-              <a:ext uri="{FF2B5EF4-FFF2-40B4-BE49-F238E27FC236}">
-                <a16:creationId xmlns:a16="http://schemas.microsoft.com/office/drawing/2014/main" id="{0B7D10E9-366F-84CB-0853-155E3211B7A7}"/>
-              </a:ext>
-            </a:extLst>
-          </p:cNvPr>
-          <p:cNvPicPr>
-            <a:picLocks noChangeAspect="1"/>
-          </p:cNvPicPr>
-          <p:nvPr/>
-        </p:nvPicPr>
-        <p:blipFill>
-          <a:blip r:embed="rId4"/>
-          <a:stretch>
-            <a:fillRect/>
-          </a:stretch>
-        </p:blipFill>
-        <p:spPr>
-          <a:xfrm>
-            <a:off x="10638024" y="191061"/>
-            <a:ext cx="1427070" cy="648821"/>
-          </a:xfrm>
-          <a:prstGeom prst="rect">
-            <a:avLst/>
-          </a:prstGeom>
-        </p:spPr>
-      </p:pic>
-    </p:spTree>
-    <p:extLst>
-      <p:ext uri="{BB962C8B-B14F-4D97-AF65-F5344CB8AC3E}">
-        <p14:creationId xmlns:p14="http://schemas.microsoft.com/office/powerpoint/2010/main" val="3847439347"/>
-      </p:ext>
-    </p:extLst>
-  </p:cSld>
-  <p:clrMapOvr>
-    <a:masterClrMapping/>
-  </p:clrMapOvr>
-</p:sld>
-</file>
-
-<file path=ppt/slides/slide6.xml><?xml version="1.0" encoding="utf-8"?>
-<p:sld xmlns:a="http://schemas.openxmlformats.org/drawingml/2006/main" xmlns:r="http://schemas.openxmlformats.org/officeDocument/2006/relationships" xmlns:p="http://schemas.openxmlformats.org/presentationml/2006/main">
-  <p:cSld>
-    <p:bg>
-      <p:bgPr>
-        <a:solidFill>
-          <a:schemeClr val="bg1"/>
-        </a:solidFill>
-        <a:effectLst/>
-      </p:bgPr>
-    </p:bg>
-    <p:spTree>
-      <p:nvGrpSpPr>
-        <p:cNvPr id="1" name=""/>
-        <p:cNvGrpSpPr/>
-        <p:nvPr/>
-      </p:nvGrpSpPr>
-      <p:grpSpPr>
-        <a:xfrm>
-          <a:off x="0" y="0"/>
-          <a:ext cx="0" cy="0"/>
-          <a:chOff x="0" y="0"/>
-          <a:chExt cx="0" cy="0"/>
-        </a:xfrm>
-      </p:grpSpPr>
-      <p:sp>
-        <p:nvSpPr>
-          <p:cNvPr id="2" name="Título 1">
-            <a:extLst>
-              <a:ext uri="{FF2B5EF4-FFF2-40B4-BE49-F238E27FC236}">
-                <a16:creationId xmlns:a16="http://schemas.microsoft.com/office/drawing/2014/main" id="{C3AF8638-D31E-4644-B537-14ADBE474233}"/>
-              </a:ext>
-            </a:extLst>
-          </p:cNvPr>
-          <p:cNvSpPr>
-            <a:spLocks noGrp="1"/>
-          </p:cNvSpPr>
-          <p:nvPr>
-            <p:ph type="title"/>
-          </p:nvPr>
-        </p:nvSpPr>
-        <p:spPr>
-          <a:xfrm>
-            <a:off x="172231" y="61050"/>
-            <a:ext cx="11456513" cy="995369"/>
-          </a:xfrm>
-        </p:spPr>
-        <p:txBody>
-          <a:bodyPr vert="horz" lIns="91440" tIns="45720" rIns="91440" bIns="45720" rtlCol="0" anchor="ctr">
-            <a:noAutofit/>
-          </a:bodyPr>
-          <a:lstStyle/>
-          <a:p>
-            <a:pPr marL="91440" algn="ctr">
-              <a:lnSpc>
-                <a:spcPct val="100000"/>
-              </a:lnSpc>
-              <a:spcBef>
-                <a:spcPts val="100"/>
-              </a:spcBef>
-              <a:spcAft>
-                <a:spcPts val="100"/>
-              </a:spcAft>
-            </a:pPr>
-            <a:r>
-              <a:rPr lang="en-US" sz="1600" b="1" dirty="0">
-                <a:latin typeface="Georgia"/>
-                <a:ea typeface="+mj-lt"/>
-                <a:cs typeface="Arial"/>
-              </a:rPr>
-              <a:t>CLASSIFICAÇÃO DE SINAIS DE EEG COM MODELOS DE REGRESSÃO FUNCIONAL</a:t>
-            </a:r>
-            <a:r>
-              <a:rPr lang="en-US" sz="2000" b="1" dirty="0">
-                <a:latin typeface="Georgia"/>
-                <a:ea typeface="+mj-lt"/>
-                <a:cs typeface="Arial"/>
-              </a:rPr>
-              <a:t> </a:t>
-            </a:r>
-            <a:endParaRPr lang="pt-BR" sz="2000" dirty="0">
-              <a:latin typeface="Georgia"/>
-              <a:cs typeface="Calibri Light"/>
-            </a:endParaRPr>
-          </a:p>
-        </p:txBody>
-      </p:sp>
-      <p:cxnSp>
-        <p:nvCxnSpPr>
-          <p:cNvPr id="5" name="Conector de Seta Reta 4">
-            <a:extLst>
-              <a:ext uri="{FF2B5EF4-FFF2-40B4-BE49-F238E27FC236}">
-                <a16:creationId xmlns:a16="http://schemas.microsoft.com/office/drawing/2014/main" id="{1F2C75D2-7AE3-44D1-BA37-59295668DCD6}"/>
-              </a:ext>
-            </a:extLst>
-          </p:cNvPr>
-          <p:cNvCxnSpPr/>
-          <p:nvPr/>
-        </p:nvCxnSpPr>
-        <p:spPr>
-          <a:xfrm>
-            <a:off x="113167" y="993401"/>
-            <a:ext cx="11910879" cy="8699"/>
-          </a:xfrm>
-          <a:prstGeom prst="straightConnector1">
-            <a:avLst/>
-          </a:prstGeom>
-          <a:ln>
-            <a:solidFill>
-              <a:schemeClr val="tx1"/>
-            </a:solidFill>
-          </a:ln>
-        </p:spPr>
-        <p:style>
-          <a:lnRef idx="1">
-            <a:schemeClr val="accent1"/>
-          </a:lnRef>
-          <a:fillRef idx="0">
-            <a:schemeClr val="accent1"/>
-          </a:fillRef>
-          <a:effectRef idx="0">
-            <a:schemeClr val="accent1"/>
-          </a:effectRef>
-          <a:fontRef idx="minor">
-            <a:schemeClr val="tx1"/>
-          </a:fontRef>
-        </p:style>
-      </p:cxnSp>
-      <p:sp>
-        <p:nvSpPr>
-          <p:cNvPr id="7" name="Espaço Reservado para Rodapé 6">
-            <a:extLst>
-              <a:ext uri="{FF2B5EF4-FFF2-40B4-BE49-F238E27FC236}">
-                <a16:creationId xmlns:a16="http://schemas.microsoft.com/office/drawing/2014/main" id="{CAC5A93D-3C31-8EF2-E746-6A0CF64C8AE5}"/>
-              </a:ext>
-            </a:extLst>
-          </p:cNvPr>
-          <p:cNvSpPr>
-            <a:spLocks noGrp="1"/>
-          </p:cNvSpPr>
-          <p:nvPr>
-            <p:ph type="ftr" sz="quarter" idx="11"/>
-          </p:nvPr>
-        </p:nvSpPr>
-        <p:spPr/>
-        <p:txBody>
-          <a:bodyPr/>
-          <a:lstStyle/>
-          <a:p>
-            <a:r>
-              <a:rPr lang="pt-BR" dirty="0"/>
-              <a:t>Metodologia</a:t>
-            </a:r>
-          </a:p>
-        </p:txBody>
-      </p:sp>
-      <p:sp>
-        <p:nvSpPr>
-          <p:cNvPr id="8" name="Espaço Reservado para Número de Slide 7">
-            <a:extLst>
-              <a:ext uri="{FF2B5EF4-FFF2-40B4-BE49-F238E27FC236}">
-                <a16:creationId xmlns:a16="http://schemas.microsoft.com/office/drawing/2014/main" id="{727A8AC4-84BE-6170-3EE7-99042371B415}"/>
-              </a:ext>
-            </a:extLst>
-          </p:cNvPr>
-          <p:cNvSpPr>
-            <a:spLocks noGrp="1"/>
-          </p:cNvSpPr>
-          <p:nvPr>
-            <p:ph type="sldNum" sz="quarter" idx="12"/>
-          </p:nvPr>
-        </p:nvSpPr>
-        <p:spPr/>
-        <p:txBody>
-          <a:bodyPr/>
-          <a:lstStyle/>
-          <a:p>
-            <a:fld id="{48F63A3B-78C7-47BE-AE5E-E10140E04643}" type="slidenum">
-              <a:rPr lang="en-US" dirty="0"/>
-              <a:t>6</a:t>
-            </a:fld>
-            <a:endParaRPr lang="pt-BR"/>
-          </a:p>
-        </p:txBody>
-      </p:sp>
-      <p:pic>
-        <p:nvPicPr>
-          <p:cNvPr id="10" name="Imagem 10">
-            <a:extLst>
-              <a:ext uri="{FF2B5EF4-FFF2-40B4-BE49-F238E27FC236}">
-                <a16:creationId xmlns:a16="http://schemas.microsoft.com/office/drawing/2014/main" id="{07E047AD-3CDA-F366-2445-5CE28F836EB0}"/>
-              </a:ext>
-            </a:extLst>
-          </p:cNvPr>
-          <p:cNvPicPr>
-            <a:picLocks noChangeAspect="1"/>
-          </p:cNvPicPr>
-          <p:nvPr/>
-        </p:nvPicPr>
-        <p:blipFill>
-          <a:blip r:embed="rId2"/>
-          <a:stretch>
-            <a:fillRect/>
-          </a:stretch>
-        </p:blipFill>
-        <p:spPr>
-          <a:xfrm>
-            <a:off x="170950" y="117308"/>
-            <a:ext cx="881313" cy="798095"/>
-          </a:xfrm>
-          <a:prstGeom prst="rect">
-            <a:avLst/>
-          </a:prstGeom>
-        </p:spPr>
-      </p:pic>
-      <p:sp>
-        <p:nvSpPr>
           <p:cNvPr id="13" name="CaixaDeTexto 12">
             <a:extLst>
               <a:ext uri="{FF2B5EF4-FFF2-40B4-BE49-F238E27FC236}">
@@ -20118,7 +19714,7 @@
         </p:nvSpPr>
         <p:spPr>
           <a:xfrm>
-            <a:off x="7261058" y="2237873"/>
+            <a:off x="6499058" y="3190372"/>
             <a:ext cx="4608094" cy="338554"/>
           </a:xfrm>
           <a:prstGeom prst="rect">
@@ -20211,7 +19807,7 @@
         </p:blipFill>
         <p:spPr>
           <a:xfrm>
-            <a:off x="6779795" y="2794277"/>
+            <a:off x="6017795" y="3746776"/>
             <a:ext cx="5279855" cy="2733290"/>
           </a:xfrm>
           <a:prstGeom prst="rect">
@@ -20237,8 +19833,8 @@
         </p:nvSpPr>
         <p:spPr>
           <a:xfrm>
-            <a:off x="221708" y="1849886"/>
-            <a:ext cx="6543248" cy="3425336"/>
+            <a:off x="362076" y="1278385"/>
+            <a:ext cx="5029275" cy="2733521"/>
           </a:xfrm>
         </p:spPr>
         <p:txBody>
@@ -20264,6 +19860,7 @@
               <a:t>A análise de dados funcionais (FDA) é um ramo da estatística preocupado com a análise de dados na forma de funções [3].</a:t>
             </a:r>
             <a:endParaRPr lang="pt-BR" sz="2200" dirty="0">
+              <a:latin typeface="Calibri" panose="020F0502020204030204"/>
               <a:cs typeface="Calibri"/>
             </a:endParaRPr>
           </a:p>
@@ -20279,25 +19876,9 @@
             <a:r>
               <a:rPr lang="pt-BR" sz="2200" dirty="0">
                 <a:latin typeface="Georgia"/>
-                <a:ea typeface="+mn-lt"/>
-                <a:cs typeface="+mn-lt"/>
+                <a:cs typeface="Calibri"/>
               </a:rPr>
-              <a:t>As funções de bases são os blocos de construção do FDA e determinam o mecanismo pelo qual a</a:t>
-            </a:r>
-            <a:br>
-              <a:rPr lang="pt-BR" sz="2200" dirty="0">
-                <a:latin typeface="Georgia"/>
-                <a:ea typeface="+mn-lt"/>
-                <a:cs typeface="+mn-lt"/>
-              </a:rPr>
-            </a:br>
-            <a:r>
-              <a:rPr lang="pt-BR" sz="2200" dirty="0">
-                <a:latin typeface="Georgia"/>
-                <a:ea typeface="+mn-lt"/>
-                <a:cs typeface="+mn-lt"/>
-              </a:rPr>
-              <a:t>regularização é feita. </a:t>
+              <a:t>Modelo Linear Funcional:</a:t>
             </a:r>
           </a:p>
           <a:p>
@@ -20309,27 +19890,18 @@
           </a:p>
           <a:p>
             <a:pPr algn="just"/>
-            <a:r>
-              <a:rPr lang="pt-BR" sz="2200" dirty="0">
-                <a:latin typeface="Georgia"/>
-                <a:cs typeface="Calibri"/>
-              </a:rPr>
-              <a:t>Funções de bases: Fourier e </a:t>
-            </a:r>
-            <a:r>
-              <a:rPr lang="pt-BR" sz="2200" dirty="0" err="1">
-                <a:latin typeface="Georgia"/>
-                <a:cs typeface="Calibri"/>
-              </a:rPr>
-              <a:t>Spline</a:t>
-            </a:r>
-            <a:r>
-              <a:rPr lang="pt-BR" sz="2200" dirty="0">
-                <a:latin typeface="Georgia"/>
-                <a:cs typeface="Calibri"/>
-              </a:rPr>
-              <a:t>.</a:t>
-            </a:r>
+            <a:endParaRPr lang="pt-BR" sz="2200" dirty="0">
+              <a:latin typeface="Georgia"/>
+              <a:ea typeface="+mn-lt"/>
+              <a:cs typeface="+mn-lt"/>
+            </a:endParaRPr>
+          </a:p>
+          <a:p>
+            <a:pPr algn="just"/>
+            <a:endParaRPr lang="pt-BR" sz="2200" dirty="0">
+              <a:latin typeface="Georgia"/>
+              <a:cs typeface="Calibri"/>
+            </a:endParaRPr>
           </a:p>
         </p:txBody>
       </p:sp>
@@ -20393,210 +19965,12 @@
           </a:prstGeom>
         </p:spPr>
       </p:pic>
-    </p:spTree>
-    <p:extLst>
-      <p:ext uri="{BB962C8B-B14F-4D97-AF65-F5344CB8AC3E}">
-        <p14:creationId xmlns:p14="http://schemas.microsoft.com/office/powerpoint/2010/main" val="3512971279"/>
-      </p:ext>
-    </p:extLst>
-  </p:cSld>
-  <p:clrMapOvr>
-    <a:masterClrMapping/>
-  </p:clrMapOvr>
-</p:sld>
-</file>
-
-<file path=ppt/slides/slide7.xml><?xml version="1.0" encoding="utf-8"?>
-<p:sld xmlns:a="http://schemas.openxmlformats.org/drawingml/2006/main" xmlns:r="http://schemas.openxmlformats.org/officeDocument/2006/relationships" xmlns:p="http://schemas.openxmlformats.org/presentationml/2006/main">
-  <p:cSld>
-    <p:bg>
-      <p:bgPr>
-        <a:solidFill>
-          <a:schemeClr val="bg1"/>
-        </a:solidFill>
-        <a:effectLst/>
-      </p:bgPr>
-    </p:bg>
-    <p:spTree>
-      <p:nvGrpSpPr>
-        <p:cNvPr id="1" name=""/>
-        <p:cNvGrpSpPr/>
-        <p:nvPr/>
-      </p:nvGrpSpPr>
-      <p:grpSpPr>
-        <a:xfrm>
-          <a:off x="0" y="0"/>
-          <a:ext cx="0" cy="0"/>
-          <a:chOff x="0" y="0"/>
-          <a:chExt cx="0" cy="0"/>
-        </a:xfrm>
-      </p:grpSpPr>
-      <p:sp>
-        <p:nvSpPr>
-          <p:cNvPr id="2" name="Título 1">
+      <p:pic>
+        <p:nvPicPr>
+          <p:cNvPr id="3" name="Imagem 5">
             <a:extLst>
               <a:ext uri="{FF2B5EF4-FFF2-40B4-BE49-F238E27FC236}">
-                <a16:creationId xmlns:a16="http://schemas.microsoft.com/office/drawing/2014/main" id="{C3AF8638-D31E-4644-B537-14ADBE474233}"/>
-              </a:ext>
-            </a:extLst>
-          </p:cNvPr>
-          <p:cNvSpPr>
-            <a:spLocks noGrp="1"/>
-          </p:cNvSpPr>
-          <p:nvPr>
-            <p:ph type="title"/>
-          </p:nvPr>
-        </p:nvSpPr>
-        <p:spPr>
-          <a:xfrm>
-            <a:off x="172231" y="61050"/>
-            <a:ext cx="11456513" cy="995369"/>
-          </a:xfrm>
-        </p:spPr>
-        <p:txBody>
-          <a:bodyPr vert="horz" lIns="91440" tIns="45720" rIns="91440" bIns="45720" rtlCol="0" anchor="ctr">
-            <a:noAutofit/>
-          </a:bodyPr>
-          <a:lstStyle/>
-          <a:p>
-            <a:pPr marL="91440" algn="ctr">
-              <a:lnSpc>
-                <a:spcPct val="100000"/>
-              </a:lnSpc>
-              <a:spcBef>
-                <a:spcPts val="100"/>
-              </a:spcBef>
-              <a:spcAft>
-                <a:spcPts val="100"/>
-              </a:spcAft>
-            </a:pPr>
-            <a:r>
-              <a:rPr lang="en-US" sz="1600" b="1" dirty="0">
-                <a:latin typeface="Georgia"/>
-                <a:ea typeface="+mj-lt"/>
-                <a:cs typeface="Arial"/>
-              </a:rPr>
-              <a:t>CLASSIFICAÇÃO DE SINAIS DE EEG COM MODELOS DE REGRESSÃO FUNCIONAL</a:t>
-            </a:r>
-            <a:r>
-              <a:rPr lang="en-US" sz="2000" b="1" dirty="0">
-                <a:latin typeface="Georgia"/>
-                <a:ea typeface="+mj-lt"/>
-                <a:cs typeface="Arial"/>
-              </a:rPr>
-              <a:t> </a:t>
-            </a:r>
-            <a:endParaRPr lang="pt-BR" sz="2000" dirty="0">
-              <a:latin typeface="Georgia"/>
-              <a:cs typeface="Calibri Light"/>
-            </a:endParaRPr>
-          </a:p>
-        </p:txBody>
-      </p:sp>
-      <p:cxnSp>
-        <p:nvCxnSpPr>
-          <p:cNvPr id="5" name="Conector de Seta Reta 4">
-            <a:extLst>
-              <a:ext uri="{FF2B5EF4-FFF2-40B4-BE49-F238E27FC236}">
-                <a16:creationId xmlns:a16="http://schemas.microsoft.com/office/drawing/2014/main" id="{1F2C75D2-7AE3-44D1-BA37-59295668DCD6}"/>
-              </a:ext>
-            </a:extLst>
-          </p:cNvPr>
-          <p:cNvCxnSpPr/>
-          <p:nvPr/>
-        </p:nvCxnSpPr>
-        <p:spPr>
-          <a:xfrm>
-            <a:off x="113167" y="993401"/>
-            <a:ext cx="11910879" cy="8699"/>
-          </a:xfrm>
-          <a:prstGeom prst="straightConnector1">
-            <a:avLst/>
-          </a:prstGeom>
-          <a:ln>
-            <a:solidFill>
-              <a:schemeClr val="tx1"/>
-            </a:solidFill>
-          </a:ln>
-        </p:spPr>
-        <p:style>
-          <a:lnRef idx="1">
-            <a:schemeClr val="accent1"/>
-          </a:lnRef>
-          <a:fillRef idx="0">
-            <a:schemeClr val="accent1"/>
-          </a:fillRef>
-          <a:effectRef idx="0">
-            <a:schemeClr val="accent1"/>
-          </a:effectRef>
-          <a:fontRef idx="minor">
-            <a:schemeClr val="tx1"/>
-          </a:fontRef>
-        </p:style>
-      </p:cxnSp>
-      <p:sp>
-        <p:nvSpPr>
-          <p:cNvPr id="7" name="Espaço Reservado para Rodapé 6">
-            <a:extLst>
-              <a:ext uri="{FF2B5EF4-FFF2-40B4-BE49-F238E27FC236}">
-                <a16:creationId xmlns:a16="http://schemas.microsoft.com/office/drawing/2014/main" id="{CAC5A93D-3C31-8EF2-E746-6A0CF64C8AE5}"/>
-              </a:ext>
-            </a:extLst>
-          </p:cNvPr>
-          <p:cNvSpPr>
-            <a:spLocks noGrp="1"/>
-          </p:cNvSpPr>
-          <p:nvPr>
-            <p:ph type="ftr" sz="quarter" idx="11"/>
-          </p:nvPr>
-        </p:nvSpPr>
-        <p:spPr/>
-        <p:txBody>
-          <a:bodyPr/>
-          <a:lstStyle/>
-          <a:p>
-            <a:r>
-              <a:rPr lang="pt-BR" dirty="0"/>
-              <a:t>Metodologia</a:t>
-            </a:r>
-          </a:p>
-        </p:txBody>
-      </p:sp>
-      <p:sp>
-        <p:nvSpPr>
-          <p:cNvPr id="8" name="Espaço Reservado para Número de Slide 7">
-            <a:extLst>
-              <a:ext uri="{FF2B5EF4-FFF2-40B4-BE49-F238E27FC236}">
-                <a16:creationId xmlns:a16="http://schemas.microsoft.com/office/drawing/2014/main" id="{727A8AC4-84BE-6170-3EE7-99042371B415}"/>
-              </a:ext>
-            </a:extLst>
-          </p:cNvPr>
-          <p:cNvSpPr>
-            <a:spLocks noGrp="1"/>
-          </p:cNvSpPr>
-          <p:nvPr>
-            <p:ph type="sldNum" sz="quarter" idx="12"/>
-          </p:nvPr>
-        </p:nvSpPr>
-        <p:spPr/>
-        <p:txBody>
-          <a:bodyPr/>
-          <a:lstStyle/>
-          <a:p>
-            <a:fld id="{48F63A3B-78C7-47BE-AE5E-E10140E04643}" type="slidenum">
-              <a:rPr lang="en-US" dirty="0"/>
-              <a:t>7</a:t>
-            </a:fld>
-            <a:endParaRPr lang="pt-BR"/>
-          </a:p>
-        </p:txBody>
-      </p:sp>
-      <p:pic>
-        <p:nvPicPr>
-          <p:cNvPr id="10" name="Imagem 10">
-            <a:extLst>
-              <a:ext uri="{FF2B5EF4-FFF2-40B4-BE49-F238E27FC236}">
-                <a16:creationId xmlns:a16="http://schemas.microsoft.com/office/drawing/2014/main" id="{07E047AD-3CDA-F366-2445-5CE28F836EB0}"/>
+                <a16:creationId xmlns:a16="http://schemas.microsoft.com/office/drawing/2014/main" id="{AB271293-FDAC-C8A5-B345-ECB5F8260846}"/>
               </a:ext>
             </a:extLst>
           </p:cNvPr>
@@ -20606,15 +19980,15 @@
           <p:nvPr/>
         </p:nvPicPr>
         <p:blipFill>
-          <a:blip r:embed="rId2"/>
+          <a:blip r:embed="rId6"/>
           <a:stretch>
             <a:fillRect/>
           </a:stretch>
         </p:blipFill>
         <p:spPr>
           <a:xfrm>
-            <a:off x="170950" y="117308"/>
-            <a:ext cx="881313" cy="798095"/>
+            <a:off x="840205" y="4277226"/>
+            <a:ext cx="3342773" cy="790073"/>
           </a:xfrm>
           <a:prstGeom prst="rect">
             <a:avLst/>
@@ -20623,141 +19997,10 @@
       </p:pic>
       <p:sp>
         <p:nvSpPr>
-          <p:cNvPr id="17" name="Espaço Reservado para Conteúdo 2">
+          <p:cNvPr id="16" name="Espaço Reservado para Conteúdo 2">
             <a:extLst>
               <a:ext uri="{FF2B5EF4-FFF2-40B4-BE49-F238E27FC236}">
-                <a16:creationId xmlns:a16="http://schemas.microsoft.com/office/drawing/2014/main" id="{23163C9C-547B-BEDC-40A8-C14B2B3CA18D}"/>
-              </a:ext>
-            </a:extLst>
-          </p:cNvPr>
-          <p:cNvSpPr>
-            <a:spLocks noGrp="1"/>
-          </p:cNvSpPr>
-          <p:nvPr>
-            <p:ph idx="1"/>
-          </p:nvPr>
-        </p:nvSpPr>
-        <p:spPr>
-          <a:xfrm>
-            <a:off x="1063918" y="4707387"/>
-            <a:ext cx="2382328" cy="838548"/>
-          </a:xfrm>
-        </p:spPr>
-        <p:txBody>
-          <a:bodyPr vert="horz" lIns="91440" tIns="45720" rIns="91440" bIns="45720" rtlCol="0" anchor="t">
-            <a:noAutofit/>
-          </a:bodyPr>
-          <a:lstStyle/>
-          <a:p>
-            <a:pPr algn="just"/>
-            <a:endParaRPr lang="pt-BR" sz="1800" dirty="0">
-              <a:latin typeface="Georgia"/>
-              <a:ea typeface="+mn-lt"/>
-              <a:cs typeface="+mn-lt"/>
-            </a:endParaRPr>
-          </a:p>
-          <a:p>
-            <a:pPr marL="0" indent="0" algn="just">
-              <a:buNone/>
-            </a:pPr>
-            <a:r>
-              <a:rPr lang="pt-BR" sz="2200" dirty="0">
-                <a:latin typeface="Georgia"/>
-                <a:cs typeface="Calibri"/>
-              </a:rPr>
-              <a:t>com</a:t>
-            </a:r>
-            <a:r>
-              <a:rPr lang="pt-BR" sz="2200" dirty="0">
-                <a:latin typeface="Georgia"/>
-                <a:ea typeface="+mn-lt"/>
-                <a:cs typeface="+mn-lt"/>
-              </a:rPr>
-              <a:t> 𝑖 = 1, …, n</a:t>
-            </a:r>
-            <a:endParaRPr lang="pt-BR" sz="2200" dirty="0">
-              <a:latin typeface="Georgia"/>
-              <a:cs typeface="Calibri"/>
-            </a:endParaRPr>
-          </a:p>
-        </p:txBody>
-      </p:sp>
-      <p:pic>
-        <p:nvPicPr>
-          <p:cNvPr id="4" name="Imagem 5">
-            <a:extLst>
-              <a:ext uri="{FF2B5EF4-FFF2-40B4-BE49-F238E27FC236}">
-                <a16:creationId xmlns:a16="http://schemas.microsoft.com/office/drawing/2014/main" id="{63B9EA89-BF35-66D7-97E6-2766EB8B2B48}"/>
-              </a:ext>
-            </a:extLst>
-          </p:cNvPr>
-          <p:cNvPicPr>
-            <a:picLocks noChangeAspect="1"/>
-          </p:cNvPicPr>
-          <p:nvPr/>
-        </p:nvPicPr>
-        <p:blipFill>
-          <a:blip r:embed="rId3"/>
-          <a:stretch>
-            <a:fillRect/>
-          </a:stretch>
-        </p:blipFill>
-        <p:spPr>
-          <a:xfrm>
-            <a:off x="2498557" y="3576649"/>
-            <a:ext cx="6723647" cy="1088333"/>
-          </a:xfrm>
-          <a:prstGeom prst="rect">
-            <a:avLst/>
-          </a:prstGeom>
-        </p:spPr>
-      </p:pic>
-      <p:sp>
-        <p:nvSpPr>
-          <p:cNvPr id="14" name="CaixaDeTexto 13">
-            <a:extLst>
-              <a:ext uri="{FF2B5EF4-FFF2-40B4-BE49-F238E27FC236}">
-                <a16:creationId xmlns:a16="http://schemas.microsoft.com/office/drawing/2014/main" id="{527E3B7F-75EE-14C1-A325-687DD6E0644F}"/>
-              </a:ext>
-            </a:extLst>
-          </p:cNvPr>
-          <p:cNvSpPr txBox="1"/>
-          <p:nvPr/>
-        </p:nvSpPr>
-        <p:spPr>
-          <a:xfrm>
-            <a:off x="10429375" y="4002506"/>
-            <a:ext cx="667752" cy="400110"/>
-          </a:xfrm>
-          <a:prstGeom prst="rect">
-            <a:avLst/>
-          </a:prstGeom>
-          <a:noFill/>
-        </p:spPr>
-        <p:txBody>
-          <a:bodyPr rot="0" spcFirstLastPara="0" vertOverflow="overflow" horzOverflow="overflow" vert="horz" wrap="square" lIns="91440" tIns="45720" rIns="91440" bIns="45720" numCol="1" spcCol="0" rtlCol="0" fromWordArt="0" anchor="t" anchorCtr="0" forceAA="0" compatLnSpc="1">
-            <a:prstTxWarp prst="textNoShape">
-              <a:avLst/>
-            </a:prstTxWarp>
-            <a:spAutoFit/>
-          </a:bodyPr>
-          <a:lstStyle/>
-          <a:p>
-            <a:r>
-              <a:rPr lang="en-US" sz="2000" dirty="0">
-                <a:latin typeface="Georgia"/>
-              </a:rPr>
-              <a:t>(1)</a:t>
-            </a:r>
-          </a:p>
-        </p:txBody>
-      </p:sp>
-      <p:sp>
-        <p:nvSpPr>
-          <p:cNvPr id="18" name="Espaço Reservado para Conteúdo 2">
-            <a:extLst>
-              <a:ext uri="{FF2B5EF4-FFF2-40B4-BE49-F238E27FC236}">
-                <a16:creationId xmlns:a16="http://schemas.microsoft.com/office/drawing/2014/main" id="{0A310E4D-9CB4-EF80-8F72-2BD73BD83C8D}"/>
+                <a16:creationId xmlns:a16="http://schemas.microsoft.com/office/drawing/2014/main" id="{4FDA5021-DBC5-CE3B-FEBF-5616ABDC1989}"/>
               </a:ext>
             </a:extLst>
           </p:cNvPr>
@@ -20768,8 +20011,8 @@
         </p:nvSpPr>
         <p:spPr>
           <a:xfrm>
-            <a:off x="755108" y="1721550"/>
-            <a:ext cx="10684117" cy="1831153"/>
+            <a:off x="6139240" y="1420758"/>
+            <a:ext cx="5320039" cy="1530365"/>
           </a:xfrm>
           <a:prstGeom prst="rect">
             <a:avLst/>
@@ -20945,6 +20188,393 @@
           </a:lstStyle>
           <a:p>
             <a:pPr algn="just"/>
+            <a:r>
+              <a:rPr lang="pt-BR" sz="2200" dirty="0">
+                <a:latin typeface="Georgia"/>
+                <a:cs typeface="Calibri"/>
+              </a:rPr>
+              <a:t>As funções de bases (Fourier e </a:t>
+            </a:r>
+            <a:r>
+              <a:rPr lang="pt-BR" sz="2200" dirty="0" err="1">
+                <a:latin typeface="Georgia"/>
+                <a:cs typeface="Calibri"/>
+              </a:rPr>
+              <a:t>Spline</a:t>
+            </a:r>
+            <a:r>
+              <a:rPr lang="pt-BR" sz="2200" dirty="0">
+                <a:latin typeface="Georgia"/>
+                <a:cs typeface="Calibri"/>
+              </a:rPr>
+              <a:t>) são os blocos de construção do FDA e determinam o mecanismo pelo qual a</a:t>
+            </a:r>
+            <a:br>
+              <a:rPr lang="pt-BR" sz="2200" dirty="0">
+                <a:latin typeface="Georgia"/>
+                <a:cs typeface="Calibri"/>
+              </a:rPr>
+            </a:br>
+            <a:r>
+              <a:rPr lang="pt-BR" sz="2200" dirty="0">
+                <a:latin typeface="Georgia"/>
+                <a:cs typeface="Calibri"/>
+              </a:rPr>
+              <a:t>regularização é feita. </a:t>
+            </a:r>
+            <a:endParaRPr lang="en-US" sz="2200" dirty="0">
+              <a:ea typeface="+mn-lt"/>
+              <a:cs typeface="+mn-lt"/>
+            </a:endParaRPr>
+          </a:p>
+          <a:p>
+            <a:pPr algn="just"/>
+            <a:endParaRPr lang="pt-BR" sz="2200" dirty="0">
+              <a:latin typeface="Georgia"/>
+              <a:ea typeface="+mn-lt"/>
+              <a:cs typeface="+mn-lt"/>
+            </a:endParaRPr>
+          </a:p>
+        </p:txBody>
+      </p:sp>
+      <p:sp>
+        <p:nvSpPr>
+          <p:cNvPr id="19" name="CaixaDeTexto 18">
+            <a:extLst>
+              <a:ext uri="{FF2B5EF4-FFF2-40B4-BE49-F238E27FC236}">
+                <a16:creationId xmlns:a16="http://schemas.microsoft.com/office/drawing/2014/main" id="{FBFEEF70-DBB2-7B9C-C476-100FF3781083}"/>
+              </a:ext>
+            </a:extLst>
+          </p:cNvPr>
+          <p:cNvSpPr txBox="1"/>
+          <p:nvPr/>
+        </p:nvSpPr>
+        <p:spPr>
+          <a:xfrm>
+            <a:off x="4684296" y="4463717"/>
+            <a:ext cx="667752" cy="400110"/>
+          </a:xfrm>
+          <a:prstGeom prst="rect">
+            <a:avLst/>
+          </a:prstGeom>
+          <a:noFill/>
+        </p:spPr>
+        <p:txBody>
+          <a:bodyPr rot="0" spcFirstLastPara="0" vertOverflow="overflow" horzOverflow="overflow" vert="horz" wrap="square" lIns="91440" tIns="45720" rIns="91440" bIns="45720" numCol="1" spcCol="0" rtlCol="0" fromWordArt="0" anchor="t" anchorCtr="0" forceAA="0" compatLnSpc="1">
+            <a:prstTxWarp prst="textNoShape">
+              <a:avLst/>
+            </a:prstTxWarp>
+            <a:spAutoFit/>
+          </a:bodyPr>
+          <a:lstStyle/>
+          <a:p>
+            <a:r>
+              <a:rPr lang="en-US" sz="2000" dirty="0">
+                <a:latin typeface="Georgia"/>
+              </a:rPr>
+              <a:t>(1)</a:t>
+            </a:r>
+          </a:p>
+        </p:txBody>
+      </p:sp>
+      <p:cxnSp>
+        <p:nvCxnSpPr>
+          <p:cNvPr id="20" name="Conector de Seta Reta 19">
+            <a:extLst>
+              <a:ext uri="{FF2B5EF4-FFF2-40B4-BE49-F238E27FC236}">
+                <a16:creationId xmlns:a16="http://schemas.microsoft.com/office/drawing/2014/main" id="{BAF7894F-44E6-FB9D-1B00-A76180A8D558}"/>
+              </a:ext>
+            </a:extLst>
+          </p:cNvPr>
+          <p:cNvCxnSpPr/>
+          <p:nvPr/>
+        </p:nvCxnSpPr>
+        <p:spPr>
+          <a:xfrm>
+            <a:off x="5719010" y="1417722"/>
+            <a:ext cx="20054" cy="4411576"/>
+          </a:xfrm>
+          <a:prstGeom prst="straightConnector1">
+            <a:avLst/>
+          </a:prstGeom>
+          <a:ln>
+            <a:solidFill>
+              <a:schemeClr val="tx1"/>
+            </a:solidFill>
+          </a:ln>
+        </p:spPr>
+        <p:style>
+          <a:lnRef idx="1">
+            <a:schemeClr val="accent6"/>
+          </a:lnRef>
+          <a:fillRef idx="0">
+            <a:schemeClr val="accent6"/>
+          </a:fillRef>
+          <a:effectRef idx="0">
+            <a:schemeClr val="accent6"/>
+          </a:effectRef>
+          <a:fontRef idx="minor">
+            <a:schemeClr val="tx1"/>
+          </a:fontRef>
+        </p:style>
+      </p:cxnSp>
+    </p:spTree>
+    <p:extLst>
+      <p:ext uri="{BB962C8B-B14F-4D97-AF65-F5344CB8AC3E}">
+        <p14:creationId xmlns:p14="http://schemas.microsoft.com/office/powerpoint/2010/main" val="3512971279"/>
+      </p:ext>
+    </p:extLst>
+  </p:cSld>
+  <p:clrMapOvr>
+    <a:masterClrMapping/>
+  </p:clrMapOvr>
+</p:sld>
+</file>
+
+<file path=ppt/slides/slide6.xml><?xml version="1.0" encoding="utf-8"?>
+<p:sld xmlns:a="http://schemas.openxmlformats.org/drawingml/2006/main" xmlns:r="http://schemas.openxmlformats.org/officeDocument/2006/relationships" xmlns:p="http://schemas.openxmlformats.org/presentationml/2006/main">
+  <p:cSld>
+    <p:bg>
+      <p:bgPr>
+        <a:solidFill>
+          <a:schemeClr val="bg1"/>
+        </a:solidFill>
+        <a:effectLst/>
+      </p:bgPr>
+    </p:bg>
+    <p:spTree>
+      <p:nvGrpSpPr>
+        <p:cNvPr id="1" name=""/>
+        <p:cNvGrpSpPr/>
+        <p:nvPr/>
+      </p:nvGrpSpPr>
+      <p:grpSpPr>
+        <a:xfrm>
+          <a:off x="0" y="0"/>
+          <a:ext cx="0" cy="0"/>
+          <a:chOff x="0" y="0"/>
+          <a:chExt cx="0" cy="0"/>
+        </a:xfrm>
+      </p:grpSpPr>
+      <p:sp>
+        <p:nvSpPr>
+          <p:cNvPr id="2" name="Título 1">
+            <a:extLst>
+              <a:ext uri="{FF2B5EF4-FFF2-40B4-BE49-F238E27FC236}">
+                <a16:creationId xmlns:a16="http://schemas.microsoft.com/office/drawing/2014/main" id="{C3AF8638-D31E-4644-B537-14ADBE474233}"/>
+              </a:ext>
+            </a:extLst>
+          </p:cNvPr>
+          <p:cNvSpPr>
+            <a:spLocks noGrp="1"/>
+          </p:cNvSpPr>
+          <p:nvPr>
+            <p:ph type="title"/>
+          </p:nvPr>
+        </p:nvSpPr>
+        <p:spPr>
+          <a:xfrm>
+            <a:off x="172231" y="61050"/>
+            <a:ext cx="11456513" cy="995369"/>
+          </a:xfrm>
+        </p:spPr>
+        <p:txBody>
+          <a:bodyPr vert="horz" lIns="91440" tIns="45720" rIns="91440" bIns="45720" rtlCol="0" anchor="ctr">
+            <a:noAutofit/>
+          </a:bodyPr>
+          <a:lstStyle/>
+          <a:p>
+            <a:pPr marL="91440" algn="ctr">
+              <a:lnSpc>
+                <a:spcPct val="100000"/>
+              </a:lnSpc>
+              <a:spcBef>
+                <a:spcPts val="100"/>
+              </a:spcBef>
+              <a:spcAft>
+                <a:spcPts val="100"/>
+              </a:spcAft>
+            </a:pPr>
+            <a:r>
+              <a:rPr lang="en-US" sz="1600" b="1" dirty="0">
+                <a:latin typeface="Georgia"/>
+                <a:ea typeface="+mj-lt"/>
+                <a:cs typeface="Arial"/>
+              </a:rPr>
+              <a:t>CLASSIFICAÇÃO DE SINAIS DE EEG COM MODELOS DE REGRESSÃO FUNCIONAL</a:t>
+            </a:r>
+            <a:r>
+              <a:rPr lang="en-US" sz="2000" b="1" dirty="0">
+                <a:latin typeface="Georgia"/>
+                <a:ea typeface="+mj-lt"/>
+                <a:cs typeface="Arial"/>
+              </a:rPr>
+              <a:t> </a:t>
+            </a:r>
+            <a:endParaRPr lang="pt-BR" sz="2000" dirty="0">
+              <a:latin typeface="Georgia"/>
+              <a:cs typeface="Calibri Light"/>
+            </a:endParaRPr>
+          </a:p>
+        </p:txBody>
+      </p:sp>
+      <p:cxnSp>
+        <p:nvCxnSpPr>
+          <p:cNvPr id="5" name="Conector de Seta Reta 4">
+            <a:extLst>
+              <a:ext uri="{FF2B5EF4-FFF2-40B4-BE49-F238E27FC236}">
+                <a16:creationId xmlns:a16="http://schemas.microsoft.com/office/drawing/2014/main" id="{1F2C75D2-7AE3-44D1-BA37-59295668DCD6}"/>
+              </a:ext>
+            </a:extLst>
+          </p:cNvPr>
+          <p:cNvCxnSpPr/>
+          <p:nvPr/>
+        </p:nvCxnSpPr>
+        <p:spPr>
+          <a:xfrm>
+            <a:off x="113167" y="993401"/>
+            <a:ext cx="11910879" cy="8699"/>
+          </a:xfrm>
+          <a:prstGeom prst="straightConnector1">
+            <a:avLst/>
+          </a:prstGeom>
+          <a:ln>
+            <a:solidFill>
+              <a:schemeClr val="tx1"/>
+            </a:solidFill>
+          </a:ln>
+        </p:spPr>
+        <p:style>
+          <a:lnRef idx="1">
+            <a:schemeClr val="accent1"/>
+          </a:lnRef>
+          <a:fillRef idx="0">
+            <a:schemeClr val="accent1"/>
+          </a:fillRef>
+          <a:effectRef idx="0">
+            <a:schemeClr val="accent1"/>
+          </a:effectRef>
+          <a:fontRef idx="minor">
+            <a:schemeClr val="tx1"/>
+          </a:fontRef>
+        </p:style>
+      </p:cxnSp>
+      <p:sp>
+        <p:nvSpPr>
+          <p:cNvPr id="7" name="Espaço Reservado para Rodapé 6">
+            <a:extLst>
+              <a:ext uri="{FF2B5EF4-FFF2-40B4-BE49-F238E27FC236}">
+                <a16:creationId xmlns:a16="http://schemas.microsoft.com/office/drawing/2014/main" id="{CAC5A93D-3C31-8EF2-E746-6A0CF64C8AE5}"/>
+              </a:ext>
+            </a:extLst>
+          </p:cNvPr>
+          <p:cNvSpPr>
+            <a:spLocks noGrp="1"/>
+          </p:cNvSpPr>
+          <p:nvPr>
+            <p:ph type="ftr" sz="quarter" idx="11"/>
+          </p:nvPr>
+        </p:nvSpPr>
+        <p:spPr/>
+        <p:txBody>
+          <a:bodyPr/>
+          <a:lstStyle/>
+          <a:p>
+            <a:r>
+              <a:rPr lang="pt-BR" dirty="0"/>
+              <a:t>Metodologia</a:t>
+            </a:r>
+          </a:p>
+        </p:txBody>
+      </p:sp>
+      <p:sp>
+        <p:nvSpPr>
+          <p:cNvPr id="8" name="Espaço Reservado para Número de Slide 7">
+            <a:extLst>
+              <a:ext uri="{FF2B5EF4-FFF2-40B4-BE49-F238E27FC236}">
+                <a16:creationId xmlns:a16="http://schemas.microsoft.com/office/drawing/2014/main" id="{727A8AC4-84BE-6170-3EE7-99042371B415}"/>
+              </a:ext>
+            </a:extLst>
+          </p:cNvPr>
+          <p:cNvSpPr>
+            <a:spLocks noGrp="1"/>
+          </p:cNvSpPr>
+          <p:nvPr>
+            <p:ph type="sldNum" sz="quarter" idx="12"/>
+          </p:nvPr>
+        </p:nvSpPr>
+        <p:spPr/>
+        <p:txBody>
+          <a:bodyPr/>
+          <a:lstStyle/>
+          <a:p>
+            <a:fld id="{48F63A3B-78C7-47BE-AE5E-E10140E04643}" type="slidenum">
+              <a:rPr lang="en-US" dirty="0"/>
+              <a:t>6</a:t>
+            </a:fld>
+            <a:endParaRPr lang="pt-BR"/>
+          </a:p>
+        </p:txBody>
+      </p:sp>
+      <p:pic>
+        <p:nvPicPr>
+          <p:cNvPr id="10" name="Imagem 10">
+            <a:extLst>
+              <a:ext uri="{FF2B5EF4-FFF2-40B4-BE49-F238E27FC236}">
+                <a16:creationId xmlns:a16="http://schemas.microsoft.com/office/drawing/2014/main" id="{07E047AD-3CDA-F366-2445-5CE28F836EB0}"/>
+              </a:ext>
+            </a:extLst>
+          </p:cNvPr>
+          <p:cNvPicPr>
+            <a:picLocks noChangeAspect="1"/>
+          </p:cNvPicPr>
+          <p:nvPr/>
+        </p:nvPicPr>
+        <p:blipFill>
+          <a:blip r:embed="rId2"/>
+          <a:stretch>
+            <a:fillRect/>
+          </a:stretch>
+        </p:blipFill>
+        <p:spPr>
+          <a:xfrm>
+            <a:off x="170950" y="117308"/>
+            <a:ext cx="881313" cy="798095"/>
+          </a:xfrm>
+          <a:prstGeom prst="rect">
+            <a:avLst/>
+          </a:prstGeom>
+        </p:spPr>
+      </p:pic>
+      <p:sp>
+        <p:nvSpPr>
+          <p:cNvPr id="17" name="Espaço Reservado para Conteúdo 2">
+            <a:extLst>
+              <a:ext uri="{FF2B5EF4-FFF2-40B4-BE49-F238E27FC236}">
+                <a16:creationId xmlns:a16="http://schemas.microsoft.com/office/drawing/2014/main" id="{23163C9C-547B-BEDC-40A8-C14B2B3CA18D}"/>
+              </a:ext>
+            </a:extLst>
+          </p:cNvPr>
+          <p:cNvSpPr>
+            <a:spLocks noGrp="1"/>
+          </p:cNvSpPr>
+          <p:nvPr>
+            <p:ph idx="1"/>
+          </p:nvPr>
+        </p:nvSpPr>
+        <p:spPr>
+          <a:xfrm>
+            <a:off x="372102" y="1268360"/>
+            <a:ext cx="11215510" cy="4177309"/>
+          </a:xfrm>
+        </p:spPr>
+        <p:txBody>
+          <a:bodyPr vert="horz" lIns="91440" tIns="45720" rIns="91440" bIns="45720" rtlCol="0" anchor="t">
+            <a:noAutofit/>
+          </a:bodyPr>
+          <a:lstStyle/>
+          <a:p>
+            <a:pPr algn="just"/>
             <a:endParaRPr lang="pt-BR" sz="1800" dirty="0">
               <a:latin typeface="Georgia"/>
               <a:ea typeface="+mn-lt"/>
@@ -20959,7 +20589,817 @@
                 <a:ea typeface="+mn-lt"/>
                 <a:cs typeface="+mn-lt"/>
               </a:rPr>
-              <a:t>Na Regressão Logística Funcional [4] a probabilidade 𝑝_i da ocorrência de um evento binário cujo 𝑌_i = 1 condicional a um preditor funcional 𝑋_i(t) e coeficiente funcional 𝑩(𝑡) é expressa conforme a equação 1:</a:t>
+              <a:t>A análise espectral permite a identificação de fontes de interferência e proporciona uma forma rápida e eficiente de identificar as componentes de um sinal [2].</a:t>
+            </a:r>
+          </a:p>
+          <a:p>
+            <a:pPr algn="just"/>
+            <a:endParaRPr lang="pt-BR" sz="2200" dirty="0">
+              <a:latin typeface="Georgia"/>
+              <a:cs typeface="Calibri"/>
+            </a:endParaRPr>
+          </a:p>
+          <a:p>
+            <a:pPr algn="just"/>
+            <a:endParaRPr lang="pt-BR" sz="2200" dirty="0">
+              <a:latin typeface="Georgia"/>
+              <a:ea typeface="+mn-lt"/>
+              <a:cs typeface="+mn-lt"/>
+            </a:endParaRPr>
+          </a:p>
+          <a:p>
+            <a:pPr algn="just"/>
+            <a:r>
+              <a:rPr lang="pt-BR" sz="2200" dirty="0">
+                <a:latin typeface="Georgia"/>
+                <a:ea typeface="+mn-lt"/>
+                <a:cs typeface="+mn-lt"/>
+              </a:rPr>
+              <a:t>Transformada de Fourier:</a:t>
+            </a:r>
+          </a:p>
+          <a:p>
+            <a:pPr algn="just"/>
+            <a:endParaRPr lang="pt-BR" sz="2200" dirty="0">
+              <a:latin typeface="Georgia"/>
+              <a:ea typeface="+mn-lt"/>
+              <a:cs typeface="+mn-lt"/>
+            </a:endParaRPr>
+          </a:p>
+          <a:p>
+            <a:pPr algn="just"/>
+            <a:endParaRPr lang="pt-BR" sz="2200" dirty="0">
+              <a:latin typeface="Georgia"/>
+              <a:ea typeface="+mn-lt"/>
+              <a:cs typeface="+mn-lt"/>
+            </a:endParaRPr>
+          </a:p>
+          <a:p>
+            <a:pPr algn="just"/>
+            <a:r>
+              <a:rPr lang="pt-BR" sz="2200" dirty="0">
+                <a:latin typeface="Georgia"/>
+                <a:ea typeface="+mn-lt"/>
+                <a:cs typeface="+mn-lt"/>
+              </a:rPr>
+              <a:t>Transformada de </a:t>
+            </a:r>
+            <a:r>
+              <a:rPr lang="pt-BR" sz="2200" dirty="0" err="1">
+                <a:latin typeface="Georgia"/>
+                <a:ea typeface="+mn-lt"/>
+                <a:cs typeface="+mn-lt"/>
+              </a:rPr>
+              <a:t>Wavelet</a:t>
+            </a:r>
+            <a:r>
+              <a:rPr lang="pt-BR" sz="2200" dirty="0">
+                <a:latin typeface="Georgia"/>
+                <a:ea typeface="+mn-lt"/>
+                <a:cs typeface="+mn-lt"/>
+              </a:rPr>
+              <a:t>:</a:t>
+            </a:r>
+          </a:p>
+        </p:txBody>
+      </p:sp>
+      <p:pic>
+        <p:nvPicPr>
+          <p:cNvPr id="4" name="Imagem 5" descr="Logotipo, nome da empresa&#10;&#10;Descrição gerada automaticamente">
+            <a:extLst>
+              <a:ext uri="{FF2B5EF4-FFF2-40B4-BE49-F238E27FC236}">
+                <a16:creationId xmlns:a16="http://schemas.microsoft.com/office/drawing/2014/main" id="{4E189347-4D62-BA44-FB88-89977723F182}"/>
+              </a:ext>
+            </a:extLst>
+          </p:cNvPr>
+          <p:cNvPicPr>
+            <a:picLocks noChangeAspect="1"/>
+          </p:cNvPicPr>
+          <p:nvPr/>
+        </p:nvPicPr>
+        <p:blipFill>
+          <a:blip r:embed="rId3"/>
+          <a:stretch>
+            <a:fillRect/>
+          </a:stretch>
+        </p:blipFill>
+        <p:spPr>
+          <a:xfrm>
+            <a:off x="168088" y="5827619"/>
+            <a:ext cx="1524000" cy="895350"/>
+          </a:xfrm>
+          <a:prstGeom prst="rect">
+            <a:avLst/>
+          </a:prstGeom>
+        </p:spPr>
+      </p:pic>
+      <p:pic>
+        <p:nvPicPr>
+          <p:cNvPr id="9" name="Imagem 2" descr="Logotipo&#10;&#10;Descrição gerada automaticamente">
+            <a:extLst>
+              <a:ext uri="{FF2B5EF4-FFF2-40B4-BE49-F238E27FC236}">
+                <a16:creationId xmlns:a16="http://schemas.microsoft.com/office/drawing/2014/main" id="{0B7D10E9-366F-84CB-0853-155E3211B7A7}"/>
+              </a:ext>
+            </a:extLst>
+          </p:cNvPr>
+          <p:cNvPicPr>
+            <a:picLocks noChangeAspect="1"/>
+          </p:cNvPicPr>
+          <p:nvPr/>
+        </p:nvPicPr>
+        <p:blipFill>
+          <a:blip r:embed="rId4"/>
+          <a:stretch>
+            <a:fillRect/>
+          </a:stretch>
+        </p:blipFill>
+        <p:spPr>
+          <a:xfrm>
+            <a:off x="10638024" y="191061"/>
+            <a:ext cx="1427070" cy="648821"/>
+          </a:xfrm>
+          <a:prstGeom prst="rect">
+            <a:avLst/>
+          </a:prstGeom>
+        </p:spPr>
+      </p:pic>
+      <p:pic>
+        <p:nvPicPr>
+          <p:cNvPr id="3" name="Imagem 5" descr="Texto, Carta&#10;&#10;Descrição gerada automaticamente">
+            <a:extLst>
+              <a:ext uri="{FF2B5EF4-FFF2-40B4-BE49-F238E27FC236}">
+                <a16:creationId xmlns:a16="http://schemas.microsoft.com/office/drawing/2014/main" id="{78389D61-68B9-63D8-F816-0B650E97F09A}"/>
+              </a:ext>
+            </a:extLst>
+          </p:cNvPr>
+          <p:cNvPicPr>
+            <a:picLocks noChangeAspect="1"/>
+          </p:cNvPicPr>
+          <p:nvPr/>
+        </p:nvPicPr>
+        <p:blipFill>
+          <a:blip r:embed="rId5"/>
+          <a:stretch>
+            <a:fillRect/>
+          </a:stretch>
+        </p:blipFill>
+        <p:spPr>
+          <a:xfrm>
+            <a:off x="4824662" y="3243294"/>
+            <a:ext cx="4337384" cy="882754"/>
+          </a:xfrm>
+          <a:prstGeom prst="rect">
+            <a:avLst/>
+          </a:prstGeom>
+        </p:spPr>
+      </p:pic>
+      <p:pic>
+        <p:nvPicPr>
+          <p:cNvPr id="6" name="Imagem 10">
+            <a:extLst>
+              <a:ext uri="{FF2B5EF4-FFF2-40B4-BE49-F238E27FC236}">
+                <a16:creationId xmlns:a16="http://schemas.microsoft.com/office/drawing/2014/main" id="{D0B4C3DD-8009-17F7-9E86-E74F36859FD2}"/>
+              </a:ext>
+            </a:extLst>
+          </p:cNvPr>
+          <p:cNvPicPr>
+            <a:picLocks noChangeAspect="1"/>
+          </p:cNvPicPr>
+          <p:nvPr/>
+        </p:nvPicPr>
+        <p:blipFill>
+          <a:blip r:embed="rId6"/>
+          <a:stretch>
+            <a:fillRect/>
+          </a:stretch>
+        </p:blipFill>
+        <p:spPr>
+          <a:xfrm>
+            <a:off x="4543927" y="4759324"/>
+            <a:ext cx="5149515" cy="758327"/>
+          </a:xfrm>
+          <a:prstGeom prst="rect">
+            <a:avLst/>
+          </a:prstGeom>
+        </p:spPr>
+      </p:pic>
+      <p:sp>
+        <p:nvSpPr>
+          <p:cNvPr id="12" name="CaixaDeTexto 11">
+            <a:extLst>
+              <a:ext uri="{FF2B5EF4-FFF2-40B4-BE49-F238E27FC236}">
+                <a16:creationId xmlns:a16="http://schemas.microsoft.com/office/drawing/2014/main" id="{DA23C6FC-7B04-4783-7015-B7400CA1A195}"/>
+              </a:ext>
+            </a:extLst>
+          </p:cNvPr>
+          <p:cNvSpPr txBox="1"/>
+          <p:nvPr/>
+        </p:nvSpPr>
+        <p:spPr>
+          <a:xfrm>
+            <a:off x="10419349" y="3390901"/>
+            <a:ext cx="667752" cy="400110"/>
+          </a:xfrm>
+          <a:prstGeom prst="rect">
+            <a:avLst/>
+          </a:prstGeom>
+          <a:noFill/>
+        </p:spPr>
+        <p:txBody>
+          <a:bodyPr rot="0" spcFirstLastPara="0" vertOverflow="overflow" horzOverflow="overflow" vert="horz" wrap="square" lIns="91440" tIns="45720" rIns="91440" bIns="45720" numCol="1" spcCol="0" rtlCol="0" fromWordArt="0" anchor="t" anchorCtr="0" forceAA="0" compatLnSpc="1">
+            <a:prstTxWarp prst="textNoShape">
+              <a:avLst/>
+            </a:prstTxWarp>
+            <a:spAutoFit/>
+          </a:bodyPr>
+          <a:lstStyle/>
+          <a:p>
+            <a:r>
+              <a:rPr lang="en-US" sz="2000" dirty="0">
+                <a:latin typeface="Georgia"/>
+              </a:rPr>
+              <a:t>(2)</a:t>
+            </a:r>
+          </a:p>
+        </p:txBody>
+      </p:sp>
+      <p:sp>
+        <p:nvSpPr>
+          <p:cNvPr id="14" name="CaixaDeTexto 13">
+            <a:extLst>
+              <a:ext uri="{FF2B5EF4-FFF2-40B4-BE49-F238E27FC236}">
+                <a16:creationId xmlns:a16="http://schemas.microsoft.com/office/drawing/2014/main" id="{4BE9437F-FF7E-562A-0EFB-A582080E0EFC}"/>
+              </a:ext>
+            </a:extLst>
+          </p:cNvPr>
+          <p:cNvSpPr txBox="1"/>
+          <p:nvPr/>
+        </p:nvSpPr>
+        <p:spPr>
+          <a:xfrm>
+            <a:off x="10421354" y="4936959"/>
+            <a:ext cx="667752" cy="400110"/>
+          </a:xfrm>
+          <a:prstGeom prst="rect">
+            <a:avLst/>
+          </a:prstGeom>
+          <a:noFill/>
+        </p:spPr>
+        <p:txBody>
+          <a:bodyPr rot="0" spcFirstLastPara="0" vertOverflow="overflow" horzOverflow="overflow" vert="horz" wrap="square" lIns="91440" tIns="45720" rIns="91440" bIns="45720" numCol="1" spcCol="0" rtlCol="0" fromWordArt="0" anchor="t" anchorCtr="0" forceAA="0" compatLnSpc="1">
+            <a:prstTxWarp prst="textNoShape">
+              <a:avLst/>
+            </a:prstTxWarp>
+            <a:spAutoFit/>
+          </a:bodyPr>
+          <a:lstStyle/>
+          <a:p>
+            <a:r>
+              <a:rPr lang="en-US" sz="2000" dirty="0">
+                <a:latin typeface="Georgia"/>
+              </a:rPr>
+              <a:t>(3)</a:t>
+            </a:r>
+          </a:p>
+        </p:txBody>
+      </p:sp>
+    </p:spTree>
+    <p:extLst>
+      <p:ext uri="{BB962C8B-B14F-4D97-AF65-F5344CB8AC3E}">
+        <p14:creationId xmlns:p14="http://schemas.microsoft.com/office/powerpoint/2010/main" val="3847439347"/>
+      </p:ext>
+    </p:extLst>
+  </p:cSld>
+  <p:clrMapOvr>
+    <a:masterClrMapping/>
+  </p:clrMapOvr>
+</p:sld>
+</file>
+
+<file path=ppt/slides/slide7.xml><?xml version="1.0" encoding="utf-8"?>
+<p:sld xmlns:a="http://schemas.openxmlformats.org/drawingml/2006/main" xmlns:r="http://schemas.openxmlformats.org/officeDocument/2006/relationships" xmlns:p="http://schemas.openxmlformats.org/presentationml/2006/main">
+  <p:cSld>
+    <p:bg>
+      <p:bgPr>
+        <a:solidFill>
+          <a:schemeClr val="bg1"/>
+        </a:solidFill>
+        <a:effectLst/>
+      </p:bgPr>
+    </p:bg>
+    <p:spTree>
+      <p:nvGrpSpPr>
+        <p:cNvPr id="1" name=""/>
+        <p:cNvGrpSpPr/>
+        <p:nvPr/>
+      </p:nvGrpSpPr>
+      <p:grpSpPr>
+        <a:xfrm>
+          <a:off x="0" y="0"/>
+          <a:ext cx="0" cy="0"/>
+          <a:chOff x="0" y="0"/>
+          <a:chExt cx="0" cy="0"/>
+        </a:xfrm>
+      </p:grpSpPr>
+      <p:sp>
+        <p:nvSpPr>
+          <p:cNvPr id="2" name="Título 1">
+            <a:extLst>
+              <a:ext uri="{FF2B5EF4-FFF2-40B4-BE49-F238E27FC236}">
+                <a16:creationId xmlns:a16="http://schemas.microsoft.com/office/drawing/2014/main" id="{C3AF8638-D31E-4644-B537-14ADBE474233}"/>
+              </a:ext>
+            </a:extLst>
+          </p:cNvPr>
+          <p:cNvSpPr>
+            <a:spLocks noGrp="1"/>
+          </p:cNvSpPr>
+          <p:nvPr>
+            <p:ph type="title"/>
+          </p:nvPr>
+        </p:nvSpPr>
+        <p:spPr>
+          <a:xfrm>
+            <a:off x="172231" y="61050"/>
+            <a:ext cx="11456513" cy="995369"/>
+          </a:xfrm>
+        </p:spPr>
+        <p:txBody>
+          <a:bodyPr vert="horz" lIns="91440" tIns="45720" rIns="91440" bIns="45720" rtlCol="0" anchor="ctr">
+            <a:noAutofit/>
+          </a:bodyPr>
+          <a:lstStyle/>
+          <a:p>
+            <a:pPr marL="91440" algn="ctr">
+              <a:lnSpc>
+                <a:spcPct val="100000"/>
+              </a:lnSpc>
+              <a:spcBef>
+                <a:spcPts val="100"/>
+              </a:spcBef>
+              <a:spcAft>
+                <a:spcPts val="100"/>
+              </a:spcAft>
+            </a:pPr>
+            <a:r>
+              <a:rPr lang="en-US" sz="1600" b="1" dirty="0">
+                <a:latin typeface="Georgia"/>
+                <a:ea typeface="+mj-lt"/>
+                <a:cs typeface="Arial"/>
+              </a:rPr>
+              <a:t>CLASSIFICAÇÃO DE SINAIS DE EEG COM MODELOS DE REGRESSÃO FUNCIONAL</a:t>
+            </a:r>
+            <a:r>
+              <a:rPr lang="en-US" sz="2000" b="1" dirty="0">
+                <a:latin typeface="Georgia"/>
+                <a:ea typeface="+mj-lt"/>
+                <a:cs typeface="Arial"/>
+              </a:rPr>
+              <a:t> </a:t>
+            </a:r>
+            <a:endParaRPr lang="pt-BR" sz="2000" dirty="0">
+              <a:latin typeface="Georgia"/>
+              <a:cs typeface="Calibri Light"/>
+            </a:endParaRPr>
+          </a:p>
+        </p:txBody>
+      </p:sp>
+      <p:cxnSp>
+        <p:nvCxnSpPr>
+          <p:cNvPr id="5" name="Conector de Seta Reta 4">
+            <a:extLst>
+              <a:ext uri="{FF2B5EF4-FFF2-40B4-BE49-F238E27FC236}">
+                <a16:creationId xmlns:a16="http://schemas.microsoft.com/office/drawing/2014/main" id="{1F2C75D2-7AE3-44D1-BA37-59295668DCD6}"/>
+              </a:ext>
+            </a:extLst>
+          </p:cNvPr>
+          <p:cNvCxnSpPr/>
+          <p:nvPr/>
+        </p:nvCxnSpPr>
+        <p:spPr>
+          <a:xfrm>
+            <a:off x="113167" y="993401"/>
+            <a:ext cx="11910879" cy="8699"/>
+          </a:xfrm>
+          <a:prstGeom prst="straightConnector1">
+            <a:avLst/>
+          </a:prstGeom>
+          <a:ln>
+            <a:solidFill>
+              <a:schemeClr val="tx1"/>
+            </a:solidFill>
+          </a:ln>
+        </p:spPr>
+        <p:style>
+          <a:lnRef idx="1">
+            <a:schemeClr val="accent1"/>
+          </a:lnRef>
+          <a:fillRef idx="0">
+            <a:schemeClr val="accent1"/>
+          </a:fillRef>
+          <a:effectRef idx="0">
+            <a:schemeClr val="accent1"/>
+          </a:effectRef>
+          <a:fontRef idx="minor">
+            <a:schemeClr val="tx1"/>
+          </a:fontRef>
+        </p:style>
+      </p:cxnSp>
+      <p:sp>
+        <p:nvSpPr>
+          <p:cNvPr id="7" name="Espaço Reservado para Rodapé 6">
+            <a:extLst>
+              <a:ext uri="{FF2B5EF4-FFF2-40B4-BE49-F238E27FC236}">
+                <a16:creationId xmlns:a16="http://schemas.microsoft.com/office/drawing/2014/main" id="{CAC5A93D-3C31-8EF2-E746-6A0CF64C8AE5}"/>
+              </a:ext>
+            </a:extLst>
+          </p:cNvPr>
+          <p:cNvSpPr>
+            <a:spLocks noGrp="1"/>
+          </p:cNvSpPr>
+          <p:nvPr>
+            <p:ph type="ftr" sz="quarter" idx="11"/>
+          </p:nvPr>
+        </p:nvSpPr>
+        <p:spPr/>
+        <p:txBody>
+          <a:bodyPr/>
+          <a:lstStyle/>
+          <a:p>
+            <a:r>
+              <a:rPr lang="pt-BR" dirty="0"/>
+              <a:t>Metodologia</a:t>
+            </a:r>
+          </a:p>
+        </p:txBody>
+      </p:sp>
+      <p:sp>
+        <p:nvSpPr>
+          <p:cNvPr id="8" name="Espaço Reservado para Número de Slide 7">
+            <a:extLst>
+              <a:ext uri="{FF2B5EF4-FFF2-40B4-BE49-F238E27FC236}">
+                <a16:creationId xmlns:a16="http://schemas.microsoft.com/office/drawing/2014/main" id="{727A8AC4-84BE-6170-3EE7-99042371B415}"/>
+              </a:ext>
+            </a:extLst>
+          </p:cNvPr>
+          <p:cNvSpPr>
+            <a:spLocks noGrp="1"/>
+          </p:cNvSpPr>
+          <p:nvPr>
+            <p:ph type="sldNum" sz="quarter" idx="12"/>
+          </p:nvPr>
+        </p:nvSpPr>
+        <p:spPr/>
+        <p:txBody>
+          <a:bodyPr/>
+          <a:lstStyle/>
+          <a:p>
+            <a:fld id="{48F63A3B-78C7-47BE-AE5E-E10140E04643}" type="slidenum">
+              <a:rPr lang="en-US" dirty="0"/>
+              <a:t>7</a:t>
+            </a:fld>
+            <a:endParaRPr lang="pt-BR"/>
+          </a:p>
+        </p:txBody>
+      </p:sp>
+      <p:pic>
+        <p:nvPicPr>
+          <p:cNvPr id="10" name="Imagem 10">
+            <a:extLst>
+              <a:ext uri="{FF2B5EF4-FFF2-40B4-BE49-F238E27FC236}">
+                <a16:creationId xmlns:a16="http://schemas.microsoft.com/office/drawing/2014/main" id="{07E047AD-3CDA-F366-2445-5CE28F836EB0}"/>
+              </a:ext>
+            </a:extLst>
+          </p:cNvPr>
+          <p:cNvPicPr>
+            <a:picLocks noChangeAspect="1"/>
+          </p:cNvPicPr>
+          <p:nvPr/>
+        </p:nvPicPr>
+        <p:blipFill>
+          <a:blip r:embed="rId2"/>
+          <a:stretch>
+            <a:fillRect/>
+          </a:stretch>
+        </p:blipFill>
+        <p:spPr>
+          <a:xfrm>
+            <a:off x="170950" y="117308"/>
+            <a:ext cx="881313" cy="798095"/>
+          </a:xfrm>
+          <a:prstGeom prst="rect">
+            <a:avLst/>
+          </a:prstGeom>
+        </p:spPr>
+      </p:pic>
+      <p:sp>
+        <p:nvSpPr>
+          <p:cNvPr id="17" name="Espaço Reservado para Conteúdo 2">
+            <a:extLst>
+              <a:ext uri="{FF2B5EF4-FFF2-40B4-BE49-F238E27FC236}">
+                <a16:creationId xmlns:a16="http://schemas.microsoft.com/office/drawing/2014/main" id="{23163C9C-547B-BEDC-40A8-C14B2B3CA18D}"/>
+              </a:ext>
+            </a:extLst>
+          </p:cNvPr>
+          <p:cNvSpPr>
+            <a:spLocks noGrp="1"/>
+          </p:cNvSpPr>
+          <p:nvPr>
+            <p:ph idx="1"/>
+          </p:nvPr>
+        </p:nvSpPr>
+        <p:spPr>
+          <a:xfrm>
+            <a:off x="1063918" y="4707387"/>
+            <a:ext cx="2382328" cy="838548"/>
+          </a:xfrm>
+        </p:spPr>
+        <p:txBody>
+          <a:bodyPr vert="horz" lIns="91440" tIns="45720" rIns="91440" bIns="45720" rtlCol="0" anchor="t">
+            <a:noAutofit/>
+          </a:bodyPr>
+          <a:lstStyle/>
+          <a:p>
+            <a:pPr algn="just"/>
+            <a:endParaRPr lang="pt-BR" sz="1800" dirty="0">
+              <a:latin typeface="Georgia"/>
+              <a:ea typeface="+mn-lt"/>
+              <a:cs typeface="+mn-lt"/>
+            </a:endParaRPr>
+          </a:p>
+          <a:p>
+            <a:pPr marL="0" indent="0" algn="just">
+              <a:buNone/>
+            </a:pPr>
+            <a:r>
+              <a:rPr lang="pt-BR" sz="2200" dirty="0">
+                <a:latin typeface="Georgia"/>
+                <a:cs typeface="Calibri"/>
+              </a:rPr>
+              <a:t>com</a:t>
+            </a:r>
+            <a:r>
+              <a:rPr lang="pt-BR" sz="2200" dirty="0">
+                <a:latin typeface="Georgia"/>
+                <a:ea typeface="+mn-lt"/>
+                <a:cs typeface="+mn-lt"/>
+              </a:rPr>
+              <a:t> 𝑖 = 1, …, n</a:t>
+            </a:r>
+            <a:endParaRPr lang="pt-BR" sz="2200" dirty="0">
+              <a:latin typeface="Georgia"/>
+              <a:cs typeface="Calibri"/>
+            </a:endParaRPr>
+          </a:p>
+        </p:txBody>
+      </p:sp>
+      <p:sp>
+        <p:nvSpPr>
+          <p:cNvPr id="14" name="CaixaDeTexto 13">
+            <a:extLst>
+              <a:ext uri="{FF2B5EF4-FFF2-40B4-BE49-F238E27FC236}">
+                <a16:creationId xmlns:a16="http://schemas.microsoft.com/office/drawing/2014/main" id="{527E3B7F-75EE-14C1-A325-687DD6E0644F}"/>
+              </a:ext>
+            </a:extLst>
+          </p:cNvPr>
+          <p:cNvSpPr txBox="1"/>
+          <p:nvPr/>
+        </p:nvSpPr>
+        <p:spPr>
+          <a:xfrm>
+            <a:off x="10429375" y="4002506"/>
+            <a:ext cx="667752" cy="400110"/>
+          </a:xfrm>
+          <a:prstGeom prst="rect">
+            <a:avLst/>
+          </a:prstGeom>
+          <a:noFill/>
+        </p:spPr>
+        <p:txBody>
+          <a:bodyPr rot="0" spcFirstLastPara="0" vertOverflow="overflow" horzOverflow="overflow" vert="horz" wrap="square" lIns="91440" tIns="45720" rIns="91440" bIns="45720" numCol="1" spcCol="0" rtlCol="0" fromWordArt="0" anchor="t" anchorCtr="0" forceAA="0" compatLnSpc="1">
+            <a:prstTxWarp prst="textNoShape">
+              <a:avLst/>
+            </a:prstTxWarp>
+            <a:spAutoFit/>
+          </a:bodyPr>
+          <a:lstStyle/>
+          <a:p>
+            <a:r>
+              <a:rPr lang="en-US" sz="2000" dirty="0">
+                <a:latin typeface="Georgia"/>
+              </a:rPr>
+              <a:t>(4)</a:t>
+            </a:r>
+          </a:p>
+        </p:txBody>
+      </p:sp>
+      <p:sp>
+        <p:nvSpPr>
+          <p:cNvPr id="18" name="Espaço Reservado para Conteúdo 2">
+            <a:extLst>
+              <a:ext uri="{FF2B5EF4-FFF2-40B4-BE49-F238E27FC236}">
+                <a16:creationId xmlns:a16="http://schemas.microsoft.com/office/drawing/2014/main" id="{0A310E4D-9CB4-EF80-8F72-2BD73BD83C8D}"/>
+              </a:ext>
+            </a:extLst>
+          </p:cNvPr>
+          <p:cNvSpPr txBox="1">
+            <a:spLocks/>
+          </p:cNvSpPr>
+          <p:nvPr/>
+        </p:nvSpPr>
+        <p:spPr>
+          <a:xfrm>
+            <a:off x="755108" y="1721550"/>
+            <a:ext cx="10684117" cy="1831153"/>
+          </a:xfrm>
+          <a:prstGeom prst="rect">
+            <a:avLst/>
+          </a:prstGeom>
+        </p:spPr>
+        <p:txBody>
+          <a:bodyPr vert="horz" lIns="91440" tIns="45720" rIns="91440" bIns="45720" rtlCol="0" anchor="t">
+            <a:noAutofit/>
+          </a:bodyPr>
+          <a:lstStyle>
+            <a:lvl1pPr marL="228600" indent="-228600" algn="l" defTabSz="914400" rtl="0" eaLnBrk="1" latinLnBrk="0" hangingPunct="1">
+              <a:lnSpc>
+                <a:spcPct val="90000"/>
+              </a:lnSpc>
+              <a:spcBef>
+                <a:spcPts val="1000"/>
+              </a:spcBef>
+              <a:buFont typeface="Arial" panose="020B0604020202020204" pitchFamily="34" charset="0"/>
+              <a:buChar char="•"/>
+              <a:defRPr sz="2800" kern="1200">
+                <a:solidFill>
+                  <a:schemeClr val="tx1"/>
+                </a:solidFill>
+                <a:latin typeface="+mn-lt"/>
+                <a:ea typeface="+mn-ea"/>
+                <a:cs typeface="+mn-cs"/>
+              </a:defRPr>
+            </a:lvl1pPr>
+            <a:lvl2pPr marL="685800" indent="-228600" algn="l" defTabSz="914400" rtl="0" eaLnBrk="1" latinLnBrk="0" hangingPunct="1">
+              <a:lnSpc>
+                <a:spcPct val="90000"/>
+              </a:lnSpc>
+              <a:spcBef>
+                <a:spcPts val="500"/>
+              </a:spcBef>
+              <a:buFont typeface="Arial" panose="020B0604020202020204" pitchFamily="34" charset="0"/>
+              <a:buChar char="•"/>
+              <a:defRPr sz="2400" kern="1200">
+                <a:solidFill>
+                  <a:schemeClr val="tx1"/>
+                </a:solidFill>
+                <a:latin typeface="+mn-lt"/>
+                <a:ea typeface="+mn-ea"/>
+                <a:cs typeface="+mn-cs"/>
+              </a:defRPr>
+            </a:lvl2pPr>
+            <a:lvl3pPr marL="1143000" indent="-228600" algn="l" defTabSz="914400" rtl="0" eaLnBrk="1" latinLnBrk="0" hangingPunct="1">
+              <a:lnSpc>
+                <a:spcPct val="90000"/>
+              </a:lnSpc>
+              <a:spcBef>
+                <a:spcPts val="500"/>
+              </a:spcBef>
+              <a:buFont typeface="Arial" panose="020B0604020202020204" pitchFamily="34" charset="0"/>
+              <a:buChar char="•"/>
+              <a:defRPr sz="2000" kern="1200">
+                <a:solidFill>
+                  <a:schemeClr val="tx1"/>
+                </a:solidFill>
+                <a:latin typeface="+mn-lt"/>
+                <a:ea typeface="+mn-ea"/>
+                <a:cs typeface="+mn-cs"/>
+              </a:defRPr>
+            </a:lvl3pPr>
+            <a:lvl4pPr marL="1600200" indent="-228600" algn="l" defTabSz="914400" rtl="0" eaLnBrk="1" latinLnBrk="0" hangingPunct="1">
+              <a:lnSpc>
+                <a:spcPct val="90000"/>
+              </a:lnSpc>
+              <a:spcBef>
+                <a:spcPts val="500"/>
+              </a:spcBef>
+              <a:buFont typeface="Arial" panose="020B0604020202020204" pitchFamily="34" charset="0"/>
+              <a:buChar char="•"/>
+              <a:defRPr sz="1800" kern="1200">
+                <a:solidFill>
+                  <a:schemeClr val="tx1"/>
+                </a:solidFill>
+                <a:latin typeface="+mn-lt"/>
+                <a:ea typeface="+mn-ea"/>
+                <a:cs typeface="+mn-cs"/>
+              </a:defRPr>
+            </a:lvl4pPr>
+            <a:lvl5pPr marL="2057400" indent="-228600" algn="l" defTabSz="914400" rtl="0" eaLnBrk="1" latinLnBrk="0" hangingPunct="1">
+              <a:lnSpc>
+                <a:spcPct val="90000"/>
+              </a:lnSpc>
+              <a:spcBef>
+                <a:spcPts val="500"/>
+              </a:spcBef>
+              <a:buFont typeface="Arial" panose="020B0604020202020204" pitchFamily="34" charset="0"/>
+              <a:buChar char="•"/>
+              <a:defRPr sz="1800" kern="1200">
+                <a:solidFill>
+                  <a:schemeClr val="tx1"/>
+                </a:solidFill>
+                <a:latin typeface="+mn-lt"/>
+                <a:ea typeface="+mn-ea"/>
+                <a:cs typeface="+mn-cs"/>
+              </a:defRPr>
+            </a:lvl5pPr>
+            <a:lvl6pPr marL="2514600" indent="-228600" algn="l" defTabSz="914400" rtl="0" eaLnBrk="1" latinLnBrk="0" hangingPunct="1">
+              <a:lnSpc>
+                <a:spcPct val="90000"/>
+              </a:lnSpc>
+              <a:spcBef>
+                <a:spcPts val="500"/>
+              </a:spcBef>
+              <a:buFont typeface="Arial" panose="020B0604020202020204" pitchFamily="34" charset="0"/>
+              <a:buChar char="•"/>
+              <a:defRPr sz="1800" kern="1200">
+                <a:solidFill>
+                  <a:schemeClr val="tx1"/>
+                </a:solidFill>
+                <a:latin typeface="+mn-lt"/>
+                <a:ea typeface="+mn-ea"/>
+                <a:cs typeface="+mn-cs"/>
+              </a:defRPr>
+            </a:lvl6pPr>
+            <a:lvl7pPr marL="2971800" indent="-228600" algn="l" defTabSz="914400" rtl="0" eaLnBrk="1" latinLnBrk="0" hangingPunct="1">
+              <a:lnSpc>
+                <a:spcPct val="90000"/>
+              </a:lnSpc>
+              <a:spcBef>
+                <a:spcPts val="500"/>
+              </a:spcBef>
+              <a:buFont typeface="Arial" panose="020B0604020202020204" pitchFamily="34" charset="0"/>
+              <a:buChar char="•"/>
+              <a:defRPr sz="1800" kern="1200">
+                <a:solidFill>
+                  <a:schemeClr val="tx1"/>
+                </a:solidFill>
+                <a:latin typeface="+mn-lt"/>
+                <a:ea typeface="+mn-ea"/>
+                <a:cs typeface="+mn-cs"/>
+              </a:defRPr>
+            </a:lvl7pPr>
+            <a:lvl8pPr marL="3429000" indent="-228600" algn="l" defTabSz="914400" rtl="0" eaLnBrk="1" latinLnBrk="0" hangingPunct="1">
+              <a:lnSpc>
+                <a:spcPct val="90000"/>
+              </a:lnSpc>
+              <a:spcBef>
+                <a:spcPts val="500"/>
+              </a:spcBef>
+              <a:buFont typeface="Arial" panose="020B0604020202020204" pitchFamily="34" charset="0"/>
+              <a:buChar char="•"/>
+              <a:defRPr sz="1800" kern="1200">
+                <a:solidFill>
+                  <a:schemeClr val="tx1"/>
+                </a:solidFill>
+                <a:latin typeface="+mn-lt"/>
+                <a:ea typeface="+mn-ea"/>
+                <a:cs typeface="+mn-cs"/>
+              </a:defRPr>
+            </a:lvl8pPr>
+            <a:lvl9pPr marL="3886200" indent="-228600" algn="l" defTabSz="914400" rtl="0" eaLnBrk="1" latinLnBrk="0" hangingPunct="1">
+              <a:lnSpc>
+                <a:spcPct val="90000"/>
+              </a:lnSpc>
+              <a:spcBef>
+                <a:spcPts val="500"/>
+              </a:spcBef>
+              <a:buFont typeface="Arial" panose="020B0604020202020204" pitchFamily="34" charset="0"/>
+              <a:buChar char="•"/>
+              <a:defRPr sz="1800" kern="1200">
+                <a:solidFill>
+                  <a:schemeClr val="tx1"/>
+                </a:solidFill>
+                <a:latin typeface="+mn-lt"/>
+                <a:ea typeface="+mn-ea"/>
+                <a:cs typeface="+mn-cs"/>
+              </a:defRPr>
+            </a:lvl9pPr>
+          </a:lstStyle>
+          <a:p>
+            <a:pPr algn="just"/>
+            <a:endParaRPr lang="pt-BR" sz="1800" dirty="0">
+              <a:latin typeface="Georgia"/>
+              <a:ea typeface="+mn-lt"/>
+              <a:cs typeface="+mn-lt"/>
+            </a:endParaRPr>
+          </a:p>
+          <a:p>
+            <a:pPr algn="just"/>
+            <a:r>
+              <a:rPr lang="pt-BR" sz="2200" dirty="0">
+                <a:latin typeface="Georgia"/>
+                <a:ea typeface="+mn-lt"/>
+                <a:cs typeface="+mn-lt"/>
+              </a:rPr>
+              <a:t>Na Regressão Logística Funcional [4] a probabilidade 𝑝_i da ocorrência de um evento binário cujo 𝑌 = 1 condicional a um preditor funcional 𝑋_i(t) e coeficiente funcional 𝑩(𝑡) é expressa conforme a equação 3:</a:t>
             </a:r>
             <a:r>
               <a:rPr lang="pt-BR" sz="2000" dirty="0">
@@ -20991,7 +21431,7 @@
           <p:nvPr/>
         </p:nvPicPr>
         <p:blipFill>
-          <a:blip r:embed="rId4"/>
+          <a:blip r:embed="rId3"/>
           <a:stretch>
             <a:fillRect/>
           </a:stretch>
@@ -21021,6 +21461,36 @@
           <p:nvPr/>
         </p:nvPicPr>
         <p:blipFill>
+          <a:blip r:embed="rId4"/>
+          <a:stretch>
+            <a:fillRect/>
+          </a:stretch>
+        </p:blipFill>
+        <p:spPr>
+          <a:xfrm>
+            <a:off x="10638024" y="191061"/>
+            <a:ext cx="1427070" cy="648821"/>
+          </a:xfrm>
+          <a:prstGeom prst="rect">
+            <a:avLst/>
+          </a:prstGeom>
+        </p:spPr>
+      </p:pic>
+      <p:pic>
+        <p:nvPicPr>
+          <p:cNvPr id="3" name="Imagem 8">
+            <a:extLst>
+              <a:ext uri="{FF2B5EF4-FFF2-40B4-BE49-F238E27FC236}">
+                <a16:creationId xmlns:a16="http://schemas.microsoft.com/office/drawing/2014/main" id="{61A57374-2D06-A129-63F2-1402E969E85D}"/>
+              </a:ext>
+            </a:extLst>
+          </p:cNvPr>
+          <p:cNvPicPr>
+            <a:picLocks noChangeAspect="1"/>
+          </p:cNvPicPr>
+          <p:nvPr/>
+        </p:nvPicPr>
+        <p:blipFill>
           <a:blip r:embed="rId5"/>
           <a:stretch>
             <a:fillRect/>
@@ -21028,8 +21498,8 @@
         </p:blipFill>
         <p:spPr>
           <a:xfrm>
-            <a:off x="10638024" y="191061"/>
-            <a:ext cx="1427070" cy="648821"/>
+            <a:off x="2187742" y="3355677"/>
+            <a:ext cx="7896726" cy="1299671"/>
           </a:xfrm>
           <a:prstGeom prst="rect">
             <a:avLst/>
@@ -23649,12 +24119,22 @@
 </file>
 
 <file path=customXml/item1.xml><?xml version="1.0" encoding="utf-8"?>
-<?mso-contentType ?>
-<FormTemplates xmlns="http://schemas.microsoft.com/sharepoint/v3/contenttype/forms">
-  <Display>DocumentLibraryForm</Display>
-  <Edit>DocumentLibraryForm</Edit>
-  <New>DocumentLibraryForm</New>
-</FormTemplates>
+<p:properties xmlns:p="http://schemas.microsoft.com/office/2006/metadata/properties" xmlns:xsi="http://www.w3.org/2001/XMLSchema-instance" xmlns:pc="http://schemas.microsoft.com/office/infopath/2007/PartnerControls">
+  <documentManagement>
+    <_ip_UnifiedCompliancePolicyUIAction xmlns="http://schemas.microsoft.com/sharepoint/v3" xsi:nil="true"/>
+    <Image xmlns="71af3243-3dd4-4a8d-8c0d-dd76da1f02a5">
+      <Url xsi:nil="true"/>
+      <Description xsi:nil="true"/>
+    </Image>
+    <Status xmlns="71af3243-3dd4-4a8d-8c0d-dd76da1f02a5">Not started</Status>
+    <_ip_UnifiedCompliancePolicyProperties xmlns="http://schemas.microsoft.com/sharepoint/v3" xsi:nil="true"/>
+    <ImageTagsTaxHTField xmlns="71af3243-3dd4-4a8d-8c0d-dd76da1f02a5">
+      <Terms xmlns="http://schemas.microsoft.com/office/infopath/2007/PartnerControls"/>
+    </ImageTagsTaxHTField>
+    <TaxCatchAll xmlns="230e9df3-be65-4c73-a93b-d1236ebd677e"/>
+    <MediaServiceKeyPoints xmlns="71af3243-3dd4-4a8d-8c0d-dd76da1f02a5" xsi:nil="true"/>
+  </documentManagement>
+</p:properties>
 </file>
 
 <file path=customXml/item2.xml><?xml version="1.0" encoding="utf-8"?>
@@ -23934,28 +24414,22 @@
 </file>
 
 <file path=customXml/item3.xml><?xml version="1.0" encoding="utf-8"?>
-<p:properties xmlns:p="http://schemas.microsoft.com/office/2006/metadata/properties" xmlns:xsi="http://www.w3.org/2001/XMLSchema-instance" xmlns:pc="http://schemas.microsoft.com/office/infopath/2007/PartnerControls">
-  <documentManagement>
-    <_ip_UnifiedCompliancePolicyUIAction xmlns="http://schemas.microsoft.com/sharepoint/v3" xsi:nil="true"/>
-    <Image xmlns="71af3243-3dd4-4a8d-8c0d-dd76da1f02a5">
-      <Url xsi:nil="true"/>
-      <Description xsi:nil="true"/>
-    </Image>
-    <Status xmlns="71af3243-3dd4-4a8d-8c0d-dd76da1f02a5">Not started</Status>
-    <_ip_UnifiedCompliancePolicyProperties xmlns="http://schemas.microsoft.com/sharepoint/v3" xsi:nil="true"/>
-    <ImageTagsTaxHTField xmlns="71af3243-3dd4-4a8d-8c0d-dd76da1f02a5">
-      <Terms xmlns="http://schemas.microsoft.com/office/infopath/2007/PartnerControls"/>
-    </ImageTagsTaxHTField>
-    <TaxCatchAll xmlns="230e9df3-be65-4c73-a93b-d1236ebd677e"/>
-    <MediaServiceKeyPoints xmlns="71af3243-3dd4-4a8d-8c0d-dd76da1f02a5" xsi:nil="true"/>
-  </documentManagement>
-</p:properties>
+<?mso-contentType ?>
+<FormTemplates xmlns="http://schemas.microsoft.com/sharepoint/v3/contenttype/forms">
+  <Display>DocumentLibraryForm</Display>
+  <Edit>DocumentLibraryForm</Edit>
+  <New>DocumentLibraryForm</New>
+</FormTemplates>
 </file>
 
 <file path=customXml/itemProps1.xml><?xml version="1.0" encoding="utf-8"?>
-<ds:datastoreItem xmlns:ds="http://schemas.openxmlformats.org/officeDocument/2006/customXml" ds:itemID="{350455F8-10A0-4EEF-9BB1-9035E295B165}">
+<ds:datastoreItem xmlns:ds="http://schemas.openxmlformats.org/officeDocument/2006/customXml" ds:itemID="{79B0F2AC-8567-4D03-BFFC-653DB596C528}">
   <ds:schemaRefs>
-    <ds:schemaRef ds:uri="http://schemas.microsoft.com/sharepoint/v3/contenttype/forms"/>
+    <ds:schemaRef ds:uri="http://schemas.microsoft.com/office/2006/metadata/properties"/>
+    <ds:schemaRef ds:uri="http://schemas.microsoft.com/office/infopath/2007/PartnerControls"/>
+    <ds:schemaRef ds:uri="http://schemas.microsoft.com/sharepoint/v3"/>
+    <ds:schemaRef ds:uri="71af3243-3dd4-4a8d-8c0d-dd76da1f02a5"/>
+    <ds:schemaRef ds:uri="230e9df3-be65-4c73-a93b-d1236ebd677e"/>
   </ds:schemaRefs>
 </ds:datastoreItem>
 </file>
@@ -23982,13 +24456,9 @@
 </file>
 
 <file path=customXml/itemProps3.xml><?xml version="1.0" encoding="utf-8"?>
-<ds:datastoreItem xmlns:ds="http://schemas.openxmlformats.org/officeDocument/2006/customXml" ds:itemID="{79B0F2AC-8567-4D03-BFFC-653DB596C528}">
+<ds:datastoreItem xmlns:ds="http://schemas.openxmlformats.org/officeDocument/2006/customXml" ds:itemID="{350455F8-10A0-4EEF-9BB1-9035E295B165}">
   <ds:schemaRefs>
-    <ds:schemaRef ds:uri="http://schemas.microsoft.com/office/2006/metadata/properties"/>
-    <ds:schemaRef ds:uri="http://schemas.microsoft.com/office/infopath/2007/PartnerControls"/>
-    <ds:schemaRef ds:uri="http://schemas.microsoft.com/sharepoint/v3"/>
-    <ds:schemaRef ds:uri="71af3243-3dd4-4a8d-8c0d-dd76da1f02a5"/>
-    <ds:schemaRef ds:uri="230e9df3-be65-4c73-a93b-d1236ebd677e"/>
+    <ds:schemaRef ds:uri="http://schemas.microsoft.com/sharepoint/v3/contenttype/forms"/>
   </ds:schemaRefs>
 </ds:datastoreItem>
 </file>